--- a/Other/Schemi vari.pptx
+++ b/Other/Schemi vari.pptx
@@ -5,7 +5,7 @@
     <p:sldMasterId id="2147483648" r:id="rId1"/>
   </p:sldMasterIdLst>
   <p:notesMasterIdLst>
-    <p:notesMasterId r:id="rId8"/>
+    <p:notesMasterId r:id="rId9"/>
   </p:notesMasterIdLst>
   <p:sldIdLst>
     <p:sldId id="257" r:id="rId2"/>
@@ -14,6 +14,7 @@
     <p:sldId id="260" r:id="rId5"/>
     <p:sldId id="262" r:id="rId6"/>
     <p:sldId id="261" r:id="rId7"/>
+    <p:sldId id="263" r:id="rId8"/>
   </p:sldIdLst>
   <p:sldSz cx="12192000" cy="6858000"/>
   <p:notesSz cx="6858000" cy="9144000"/>
@@ -202,7 +203,7 @@
           <a:p>
             <a:fld id="{5CA0605C-C771-4703-85B5-7F99996110FD}" type="datetimeFigureOut">
               <a:rPr lang="it-IT" smtClean="0"/>
-              <a:t>24/03/2022</a:t>
+              <a:t>25/07/2023</a:t>
             </a:fld>
             <a:endParaRPr lang="it-IT"/>
           </a:p>
@@ -616,7 +617,7 @@
           <a:p>
             <a:fld id="{E2D9E387-0C31-4D48-859D-93BB4AEC8C15}" type="datetimeFigureOut">
               <a:rPr lang="it-IT" smtClean="0"/>
-              <a:t>24/03/2022</a:t>
+              <a:t>25/07/2023</a:t>
             </a:fld>
             <a:endParaRPr lang="it-IT"/>
           </a:p>
@@ -814,7 +815,7 @@
           <a:p>
             <a:fld id="{E2D9E387-0C31-4D48-859D-93BB4AEC8C15}" type="datetimeFigureOut">
               <a:rPr lang="it-IT" smtClean="0"/>
-              <a:t>24/03/2022</a:t>
+              <a:t>25/07/2023</a:t>
             </a:fld>
             <a:endParaRPr lang="it-IT"/>
           </a:p>
@@ -1022,7 +1023,7 @@
           <a:p>
             <a:fld id="{E2D9E387-0C31-4D48-859D-93BB4AEC8C15}" type="datetimeFigureOut">
               <a:rPr lang="it-IT" smtClean="0"/>
-              <a:t>24/03/2022</a:t>
+              <a:t>25/07/2023</a:t>
             </a:fld>
             <a:endParaRPr lang="it-IT"/>
           </a:p>
@@ -1220,7 +1221,7 @@
           <a:p>
             <a:fld id="{E2D9E387-0C31-4D48-859D-93BB4AEC8C15}" type="datetimeFigureOut">
               <a:rPr lang="it-IT" smtClean="0"/>
-              <a:t>24/03/2022</a:t>
+              <a:t>25/07/2023</a:t>
             </a:fld>
             <a:endParaRPr lang="it-IT"/>
           </a:p>
@@ -1495,7 +1496,7 @@
           <a:p>
             <a:fld id="{E2D9E387-0C31-4D48-859D-93BB4AEC8C15}" type="datetimeFigureOut">
               <a:rPr lang="it-IT" smtClean="0"/>
-              <a:t>24/03/2022</a:t>
+              <a:t>25/07/2023</a:t>
             </a:fld>
             <a:endParaRPr lang="it-IT"/>
           </a:p>
@@ -1760,7 +1761,7 @@
           <a:p>
             <a:fld id="{E2D9E387-0C31-4D48-859D-93BB4AEC8C15}" type="datetimeFigureOut">
               <a:rPr lang="it-IT" smtClean="0"/>
-              <a:t>24/03/2022</a:t>
+              <a:t>25/07/2023</a:t>
             </a:fld>
             <a:endParaRPr lang="it-IT"/>
           </a:p>
@@ -2172,7 +2173,7 @@
           <a:p>
             <a:fld id="{E2D9E387-0C31-4D48-859D-93BB4AEC8C15}" type="datetimeFigureOut">
               <a:rPr lang="it-IT" smtClean="0"/>
-              <a:t>24/03/2022</a:t>
+              <a:t>25/07/2023</a:t>
             </a:fld>
             <a:endParaRPr lang="it-IT"/>
           </a:p>
@@ -2313,7 +2314,7 @@
           <a:p>
             <a:fld id="{E2D9E387-0C31-4D48-859D-93BB4AEC8C15}" type="datetimeFigureOut">
               <a:rPr lang="it-IT" smtClean="0"/>
-              <a:t>24/03/2022</a:t>
+              <a:t>25/07/2023</a:t>
             </a:fld>
             <a:endParaRPr lang="it-IT"/>
           </a:p>
@@ -2426,7 +2427,7 @@
           <a:p>
             <a:fld id="{E2D9E387-0C31-4D48-859D-93BB4AEC8C15}" type="datetimeFigureOut">
               <a:rPr lang="it-IT" smtClean="0"/>
-              <a:t>24/03/2022</a:t>
+              <a:t>25/07/2023</a:t>
             </a:fld>
             <a:endParaRPr lang="it-IT"/>
           </a:p>
@@ -2737,7 +2738,7 @@
           <a:p>
             <a:fld id="{E2D9E387-0C31-4D48-859D-93BB4AEC8C15}" type="datetimeFigureOut">
               <a:rPr lang="it-IT" smtClean="0"/>
-              <a:t>24/03/2022</a:t>
+              <a:t>25/07/2023</a:t>
             </a:fld>
             <a:endParaRPr lang="it-IT"/>
           </a:p>
@@ -3025,7 +3026,7 @@
           <a:p>
             <a:fld id="{E2D9E387-0C31-4D48-859D-93BB4AEC8C15}" type="datetimeFigureOut">
               <a:rPr lang="it-IT" smtClean="0"/>
-              <a:t>24/03/2022</a:t>
+              <a:t>25/07/2023</a:t>
             </a:fld>
             <a:endParaRPr lang="it-IT"/>
           </a:p>
@@ -3266,7 +3267,7 @@
           <a:p>
             <a:fld id="{E2D9E387-0C31-4D48-859D-93BB4AEC8C15}" type="datetimeFigureOut">
               <a:rPr lang="it-IT" smtClean="0"/>
-              <a:t>24/03/2022</a:t>
+              <a:t>25/07/2023</a:t>
             </a:fld>
             <a:endParaRPr lang="it-IT"/>
           </a:p>
@@ -18753,6 +18754,1789 @@
     <a:masterClrMapping/>
   </p:clrMapOvr>
 </p:sld>
+</file>
+
+<file path=ppt/slides/slide7.xml><?xml version="1.0" encoding="utf-8"?>
+<p:sld xmlns:a="http://schemas.openxmlformats.org/drawingml/2006/main" xmlns:r="http://schemas.openxmlformats.org/officeDocument/2006/relationships" xmlns:p="http://schemas.openxmlformats.org/presentationml/2006/main">
+  <p:cSld>
+    <p:spTree>
+      <p:nvGrpSpPr>
+        <p:cNvPr id="1" name=""/>
+        <p:cNvGrpSpPr/>
+        <p:nvPr/>
+      </p:nvGrpSpPr>
+      <p:grpSpPr>
+        <a:xfrm>
+          <a:off x="0" y="0"/>
+          <a:ext cx="0" cy="0"/>
+          <a:chOff x="0" y="0"/>
+          <a:chExt cx="0" cy="0"/>
+        </a:xfrm>
+      </p:grpSpPr>
+      <p:pic>
+        <p:nvPicPr>
+          <p:cNvPr id="4" name="Immagine 3" descr="Immagine che contiene testo, mappa&#10;&#10;Descrizione generata automaticamente">
+            <a:extLst>
+              <a:ext uri="{FF2B5EF4-FFF2-40B4-BE49-F238E27FC236}">
+                <a16:creationId xmlns:a16="http://schemas.microsoft.com/office/drawing/2014/main" id="{9DFF69F3-D555-4EEF-29F7-E07C4486AD33}"/>
+              </a:ext>
+            </a:extLst>
+          </p:cNvPr>
+          <p:cNvPicPr>
+            <a:picLocks noChangeAspect="1"/>
+          </p:cNvPicPr>
+          <p:nvPr/>
+        </p:nvPicPr>
+        <p:blipFill>
+          <a:blip r:embed="rId4">
+            <a:extLst>
+              <a:ext uri="{28A0092B-C50C-407E-A947-70E740481C1C}">
+                <a14:useLocalDpi xmlns:a14="http://schemas.microsoft.com/office/drawing/2010/main" val="0"/>
+              </a:ext>
+            </a:extLst>
+          </a:blip>
+          <a:stretch>
+            <a:fillRect/>
+          </a:stretch>
+        </p:blipFill>
+        <p:spPr>
+          <a:xfrm>
+            <a:off x="533122" y="857993"/>
+            <a:ext cx="1590953" cy="827351"/>
+          </a:xfrm>
+          <a:prstGeom prst="rect">
+            <a:avLst/>
+          </a:prstGeom>
+          <a:ln>
+            <a:solidFill>
+              <a:schemeClr val="tx1"/>
+            </a:solidFill>
+          </a:ln>
+        </p:spPr>
+      </p:pic>
+      <p:sp>
+        <p:nvSpPr>
+          <p:cNvPr id="5" name="Decisione 4">
+            <a:extLst>
+              <a:ext uri="{FF2B5EF4-FFF2-40B4-BE49-F238E27FC236}">
+                <a16:creationId xmlns:a16="http://schemas.microsoft.com/office/drawing/2014/main" id="{9DC963C3-194B-A3F5-3D19-724A93762A05}"/>
+              </a:ext>
+            </a:extLst>
+          </p:cNvPr>
+          <p:cNvSpPr/>
+          <p:nvPr/>
+        </p:nvSpPr>
+        <p:spPr>
+          <a:xfrm>
+            <a:off x="2864498" y="816216"/>
+            <a:ext cx="989045" cy="910904"/>
+          </a:xfrm>
+          <a:prstGeom prst="flowChartDecision">
+            <a:avLst/>
+          </a:prstGeom>
+        </p:spPr>
+        <p:style>
+          <a:lnRef idx="2">
+            <a:schemeClr val="accent1">
+              <a:shade val="15000"/>
+            </a:schemeClr>
+          </a:lnRef>
+          <a:fillRef idx="1">
+            <a:schemeClr val="accent1"/>
+          </a:fillRef>
+          <a:effectRef idx="0">
+            <a:schemeClr val="accent1"/>
+          </a:effectRef>
+          <a:fontRef idx="minor">
+            <a:schemeClr val="lt1"/>
+          </a:fontRef>
+        </p:style>
+        <p:txBody>
+          <a:bodyPr rtlCol="0" anchor="ctr"/>
+          <a:lstStyle/>
+          <a:p>
+            <a:pPr algn="ctr"/>
+            <a:r>
+              <a:rPr lang="it-IT" sz="2400" dirty="0"/>
+              <a:t>Te</a:t>
+            </a:r>
+          </a:p>
+        </p:txBody>
+      </p:sp>
+      <p:sp>
+        <p:nvSpPr>
+          <p:cNvPr id="6" name="Decisione 5">
+            <a:extLst>
+              <a:ext uri="{FF2B5EF4-FFF2-40B4-BE49-F238E27FC236}">
+                <a16:creationId xmlns:a16="http://schemas.microsoft.com/office/drawing/2014/main" id="{7B6F44FA-5DFA-8816-98CD-E0223A5BD705}"/>
+              </a:ext>
+            </a:extLst>
+          </p:cNvPr>
+          <p:cNvSpPr/>
+          <p:nvPr/>
+        </p:nvSpPr>
+        <p:spPr>
+          <a:xfrm>
+            <a:off x="5458318" y="816216"/>
+            <a:ext cx="989045" cy="910904"/>
+          </a:xfrm>
+          <a:prstGeom prst="flowChartDecision">
+            <a:avLst/>
+          </a:prstGeom>
+        </p:spPr>
+        <p:style>
+          <a:lnRef idx="2">
+            <a:schemeClr val="accent1">
+              <a:shade val="15000"/>
+            </a:schemeClr>
+          </a:lnRef>
+          <a:fillRef idx="1">
+            <a:schemeClr val="accent1"/>
+          </a:fillRef>
+          <a:effectRef idx="0">
+            <a:schemeClr val="accent1"/>
+          </a:effectRef>
+          <a:fontRef idx="minor">
+            <a:schemeClr val="lt1"/>
+          </a:fontRef>
+        </p:style>
+        <p:txBody>
+          <a:bodyPr rtlCol="0" anchor="ctr"/>
+          <a:lstStyle/>
+          <a:p>
+            <a:pPr algn="ctr"/>
+            <a:r>
+              <a:rPr lang="it-IT" sz="2400" dirty="0"/>
+              <a:t>Sp</a:t>
+            </a:r>
+          </a:p>
+        </p:txBody>
+      </p:sp>
+      <p:sp>
+        <p:nvSpPr>
+          <p:cNvPr id="7" name="Decisione 6">
+            <a:extLst>
+              <a:ext uri="{FF2B5EF4-FFF2-40B4-BE49-F238E27FC236}">
+                <a16:creationId xmlns:a16="http://schemas.microsoft.com/office/drawing/2014/main" id="{A93449EE-2092-17D0-9477-3057387F9CFD}"/>
+              </a:ext>
+            </a:extLst>
+          </p:cNvPr>
+          <p:cNvSpPr/>
+          <p:nvPr/>
+        </p:nvSpPr>
+        <p:spPr>
+          <a:xfrm>
+            <a:off x="8052138" y="816216"/>
+            <a:ext cx="989045" cy="910904"/>
+          </a:xfrm>
+          <a:prstGeom prst="flowChartDecision">
+            <a:avLst/>
+          </a:prstGeom>
+        </p:spPr>
+        <p:style>
+          <a:lnRef idx="2">
+            <a:schemeClr val="accent1">
+              <a:shade val="15000"/>
+            </a:schemeClr>
+          </a:lnRef>
+          <a:fillRef idx="1">
+            <a:schemeClr val="accent1"/>
+          </a:fillRef>
+          <a:effectRef idx="0">
+            <a:schemeClr val="accent1"/>
+          </a:effectRef>
+          <a:fontRef idx="minor">
+            <a:schemeClr val="lt1"/>
+          </a:fontRef>
+        </p:style>
+        <p:txBody>
+          <a:bodyPr rtlCol="0" anchor="ctr"/>
+          <a:lstStyle/>
+          <a:p>
+            <a:pPr algn="ctr"/>
+            <a:r>
+              <a:rPr lang="it-IT" sz="2400" dirty="0"/>
+              <a:t>SC</a:t>
+            </a:r>
+          </a:p>
+        </p:txBody>
+      </p:sp>
+      <p:cxnSp>
+        <p:nvCxnSpPr>
+          <p:cNvPr id="9" name="Connettore 2 8">
+            <a:extLst>
+              <a:ext uri="{FF2B5EF4-FFF2-40B4-BE49-F238E27FC236}">
+                <a16:creationId xmlns:a16="http://schemas.microsoft.com/office/drawing/2014/main" id="{E022C874-78FA-13F8-BE88-FBDF627C329E}"/>
+              </a:ext>
+            </a:extLst>
+          </p:cNvPr>
+          <p:cNvCxnSpPr>
+            <a:cxnSpLocks/>
+            <a:stCxn id="4" idx="3"/>
+            <a:endCxn id="5" idx="1"/>
+          </p:cNvCxnSpPr>
+          <p:nvPr/>
+        </p:nvCxnSpPr>
+        <p:spPr>
+          <a:xfrm flipV="1">
+            <a:off x="2124075" y="1271668"/>
+            <a:ext cx="740423" cy="1"/>
+          </a:xfrm>
+          <a:prstGeom prst="straightConnector1">
+            <a:avLst/>
+          </a:prstGeom>
+          <a:ln w="19050">
+            <a:solidFill>
+              <a:schemeClr val="tx1"/>
+            </a:solidFill>
+            <a:tailEnd type="triangle"/>
+          </a:ln>
+        </p:spPr>
+        <p:style>
+          <a:lnRef idx="1">
+            <a:schemeClr val="accent1"/>
+          </a:lnRef>
+          <a:fillRef idx="0">
+            <a:schemeClr val="accent1"/>
+          </a:fillRef>
+          <a:effectRef idx="0">
+            <a:schemeClr val="accent1"/>
+          </a:effectRef>
+          <a:fontRef idx="minor">
+            <a:schemeClr val="tx1"/>
+          </a:fontRef>
+        </p:style>
+      </p:cxnSp>
+      <p:cxnSp>
+        <p:nvCxnSpPr>
+          <p:cNvPr id="12" name="Connettore 2 11">
+            <a:extLst>
+              <a:ext uri="{FF2B5EF4-FFF2-40B4-BE49-F238E27FC236}">
+                <a16:creationId xmlns:a16="http://schemas.microsoft.com/office/drawing/2014/main" id="{6836EBF0-E113-82CF-E9D1-D9B23E57E28A}"/>
+              </a:ext>
+            </a:extLst>
+          </p:cNvPr>
+          <p:cNvCxnSpPr>
+            <a:cxnSpLocks/>
+            <a:stCxn id="5" idx="3"/>
+            <a:endCxn id="6" idx="1"/>
+          </p:cNvCxnSpPr>
+          <p:nvPr/>
+        </p:nvCxnSpPr>
+        <p:spPr>
+          <a:xfrm>
+            <a:off x="3853543" y="1271668"/>
+            <a:ext cx="1604775" cy="0"/>
+          </a:xfrm>
+          <a:prstGeom prst="straightConnector1">
+            <a:avLst/>
+          </a:prstGeom>
+          <a:ln w="19050">
+            <a:solidFill>
+              <a:schemeClr val="tx1"/>
+            </a:solidFill>
+            <a:tailEnd type="triangle"/>
+          </a:ln>
+        </p:spPr>
+        <p:style>
+          <a:lnRef idx="1">
+            <a:schemeClr val="accent1"/>
+          </a:lnRef>
+          <a:fillRef idx="0">
+            <a:schemeClr val="accent1"/>
+          </a:fillRef>
+          <a:effectRef idx="0">
+            <a:schemeClr val="accent1"/>
+          </a:effectRef>
+          <a:fontRef idx="minor">
+            <a:schemeClr val="tx1"/>
+          </a:fontRef>
+        </p:style>
+      </p:cxnSp>
+      <p:cxnSp>
+        <p:nvCxnSpPr>
+          <p:cNvPr id="16" name="Connettore 2 15">
+            <a:extLst>
+              <a:ext uri="{FF2B5EF4-FFF2-40B4-BE49-F238E27FC236}">
+                <a16:creationId xmlns:a16="http://schemas.microsoft.com/office/drawing/2014/main" id="{EB432A36-44E7-5E8E-51A0-C6D8BB2AB862}"/>
+              </a:ext>
+            </a:extLst>
+          </p:cNvPr>
+          <p:cNvCxnSpPr>
+            <a:cxnSpLocks/>
+            <a:stCxn id="6" idx="3"/>
+            <a:endCxn id="7" idx="1"/>
+          </p:cNvCxnSpPr>
+          <p:nvPr/>
+        </p:nvCxnSpPr>
+        <p:spPr>
+          <a:xfrm>
+            <a:off x="6447363" y="1271668"/>
+            <a:ext cx="1604775" cy="0"/>
+          </a:xfrm>
+          <a:prstGeom prst="straightConnector1">
+            <a:avLst/>
+          </a:prstGeom>
+          <a:ln w="19050">
+            <a:solidFill>
+              <a:schemeClr val="tx1"/>
+            </a:solidFill>
+            <a:tailEnd type="triangle"/>
+          </a:ln>
+        </p:spPr>
+        <p:style>
+          <a:lnRef idx="1">
+            <a:schemeClr val="accent1"/>
+          </a:lnRef>
+          <a:fillRef idx="0">
+            <a:schemeClr val="accent1"/>
+          </a:fillRef>
+          <a:effectRef idx="0">
+            <a:schemeClr val="accent1"/>
+          </a:effectRef>
+          <a:fontRef idx="minor">
+            <a:schemeClr val="tx1"/>
+          </a:fontRef>
+        </p:style>
+      </p:cxnSp>
+      <p:sp>
+        <p:nvSpPr>
+          <p:cNvPr id="17" name="Ovale 16">
+            <a:extLst>
+              <a:ext uri="{FF2B5EF4-FFF2-40B4-BE49-F238E27FC236}">
+                <a16:creationId xmlns:a16="http://schemas.microsoft.com/office/drawing/2014/main" id="{5B2630F2-580E-2C08-48C5-B1BA42D49190}"/>
+              </a:ext>
+            </a:extLst>
+          </p:cNvPr>
+          <p:cNvSpPr/>
+          <p:nvPr/>
+        </p:nvSpPr>
+        <p:spPr>
+          <a:xfrm>
+            <a:off x="9421652" y="2605806"/>
+            <a:ext cx="547007" cy="541658"/>
+          </a:xfrm>
+          <a:prstGeom prst="ellipse">
+            <a:avLst/>
+          </a:prstGeom>
+          <a:noFill/>
+        </p:spPr>
+        <p:style>
+          <a:lnRef idx="2">
+            <a:schemeClr val="accent1">
+              <a:shade val="15000"/>
+            </a:schemeClr>
+          </a:lnRef>
+          <a:fillRef idx="1">
+            <a:schemeClr val="accent1"/>
+          </a:fillRef>
+          <a:effectRef idx="0">
+            <a:schemeClr val="accent1"/>
+          </a:effectRef>
+          <a:fontRef idx="minor">
+            <a:schemeClr val="lt1"/>
+          </a:fontRef>
+        </p:style>
+        <p:txBody>
+          <a:bodyPr rtlCol="0" anchor="ctr"/>
+          <a:lstStyle/>
+          <a:p>
+            <a:pPr algn="ctr"/>
+            <a:r>
+              <a:rPr lang="it-IT" dirty="0">
+                <a:solidFill>
+                  <a:schemeClr val="tx1"/>
+                </a:solidFill>
+              </a:rPr>
+              <a:t>Z</a:t>
+            </a:r>
+            <a:r>
+              <a:rPr lang="it-IT" baseline="-25000" dirty="0">
+                <a:solidFill>
+                  <a:schemeClr val="tx1"/>
+                </a:solidFill>
+              </a:rPr>
+              <a:t>1</a:t>
+            </a:r>
+          </a:p>
+        </p:txBody>
+      </p:sp>
+      <p:sp>
+        <p:nvSpPr>
+          <p:cNvPr id="18" name="Ovale 17">
+            <a:extLst>
+              <a:ext uri="{FF2B5EF4-FFF2-40B4-BE49-F238E27FC236}">
+                <a16:creationId xmlns:a16="http://schemas.microsoft.com/office/drawing/2014/main" id="{DDAF207F-6791-5A4B-8BDE-F331ADAE4443}"/>
+              </a:ext>
+            </a:extLst>
+          </p:cNvPr>
+          <p:cNvSpPr/>
+          <p:nvPr/>
+        </p:nvSpPr>
+        <p:spPr>
+          <a:xfrm>
+            <a:off x="6976246" y="2546829"/>
+            <a:ext cx="547007" cy="541649"/>
+          </a:xfrm>
+          <a:prstGeom prst="ellipse">
+            <a:avLst/>
+          </a:prstGeom>
+          <a:noFill/>
+        </p:spPr>
+        <p:style>
+          <a:lnRef idx="2">
+            <a:schemeClr val="accent1">
+              <a:shade val="15000"/>
+            </a:schemeClr>
+          </a:lnRef>
+          <a:fillRef idx="1">
+            <a:schemeClr val="accent1"/>
+          </a:fillRef>
+          <a:effectRef idx="0">
+            <a:schemeClr val="accent1"/>
+          </a:effectRef>
+          <a:fontRef idx="minor">
+            <a:schemeClr val="lt1"/>
+          </a:fontRef>
+        </p:style>
+        <p:txBody>
+          <a:bodyPr rtlCol="0" anchor="ctr"/>
+          <a:lstStyle/>
+          <a:p>
+            <a:pPr algn="ctr"/>
+            <a:r>
+              <a:rPr lang="it-IT" dirty="0">
+                <a:solidFill>
+                  <a:schemeClr val="tx1"/>
+                </a:solidFill>
+              </a:rPr>
+              <a:t>Z</a:t>
+            </a:r>
+            <a:r>
+              <a:rPr lang="it-IT" baseline="-25000" dirty="0">
+                <a:solidFill>
+                  <a:schemeClr val="tx1"/>
+                </a:solidFill>
+              </a:rPr>
+              <a:t>2</a:t>
+            </a:r>
+          </a:p>
+        </p:txBody>
+      </p:sp>
+      <p:cxnSp>
+        <p:nvCxnSpPr>
+          <p:cNvPr id="21" name="Connettore a gomito 20">
+            <a:extLst>
+              <a:ext uri="{FF2B5EF4-FFF2-40B4-BE49-F238E27FC236}">
+                <a16:creationId xmlns:a16="http://schemas.microsoft.com/office/drawing/2014/main" id="{4375ACAA-F862-2B3B-60D8-0263182A2FD2}"/>
+              </a:ext>
+            </a:extLst>
+          </p:cNvPr>
+          <p:cNvCxnSpPr>
+            <a:cxnSpLocks/>
+            <a:stCxn id="7" idx="3"/>
+            <a:endCxn id="17" idx="0"/>
+          </p:cNvCxnSpPr>
+          <p:nvPr/>
+        </p:nvCxnSpPr>
+        <p:spPr>
+          <a:xfrm>
+            <a:off x="9041183" y="1271668"/>
+            <a:ext cx="653973" cy="1334138"/>
+          </a:xfrm>
+          <a:prstGeom prst="bentConnector2">
+            <a:avLst/>
+          </a:prstGeom>
+          <a:ln w="19050">
+            <a:solidFill>
+              <a:schemeClr val="tx1"/>
+            </a:solidFill>
+            <a:tailEnd type="triangle"/>
+          </a:ln>
+        </p:spPr>
+        <p:style>
+          <a:lnRef idx="1">
+            <a:schemeClr val="accent1"/>
+          </a:lnRef>
+          <a:fillRef idx="0">
+            <a:schemeClr val="accent1"/>
+          </a:fillRef>
+          <a:effectRef idx="0">
+            <a:schemeClr val="accent1"/>
+          </a:effectRef>
+          <a:fontRef idx="minor">
+            <a:schemeClr val="tx1"/>
+          </a:fontRef>
+        </p:style>
+      </p:cxnSp>
+      <p:cxnSp>
+        <p:nvCxnSpPr>
+          <p:cNvPr id="24" name="Connettore a gomito 23">
+            <a:extLst>
+              <a:ext uri="{FF2B5EF4-FFF2-40B4-BE49-F238E27FC236}">
+                <a16:creationId xmlns:a16="http://schemas.microsoft.com/office/drawing/2014/main" id="{2BA84760-13A7-05DD-7264-21C218965600}"/>
+              </a:ext>
+            </a:extLst>
+          </p:cNvPr>
+          <p:cNvCxnSpPr>
+            <a:cxnSpLocks/>
+            <a:stCxn id="6" idx="3"/>
+            <a:endCxn id="49" idx="0"/>
+          </p:cNvCxnSpPr>
+          <p:nvPr/>
+        </p:nvCxnSpPr>
+        <p:spPr>
+          <a:xfrm>
+            <a:off x="6447363" y="1271668"/>
+            <a:ext cx="1309579" cy="1406684"/>
+          </a:xfrm>
+          <a:prstGeom prst="bentConnector2">
+            <a:avLst/>
+          </a:prstGeom>
+          <a:ln w="19050">
+            <a:solidFill>
+              <a:schemeClr val="tx1"/>
+            </a:solidFill>
+            <a:tailEnd type="triangle"/>
+          </a:ln>
+        </p:spPr>
+        <p:style>
+          <a:lnRef idx="1">
+            <a:schemeClr val="accent1"/>
+          </a:lnRef>
+          <a:fillRef idx="0">
+            <a:schemeClr val="accent1"/>
+          </a:fillRef>
+          <a:effectRef idx="0">
+            <a:schemeClr val="accent1"/>
+          </a:effectRef>
+          <a:fontRef idx="minor">
+            <a:schemeClr val="tx1"/>
+          </a:fontRef>
+        </p:style>
+      </p:cxnSp>
+      <p:sp>
+        <p:nvSpPr>
+          <p:cNvPr id="35" name="Decisione 34">
+            <a:extLst>
+              <a:ext uri="{FF2B5EF4-FFF2-40B4-BE49-F238E27FC236}">
+                <a16:creationId xmlns:a16="http://schemas.microsoft.com/office/drawing/2014/main" id="{485B01F9-3EBC-3CDB-4EA4-4229294CEE3B}"/>
+              </a:ext>
+            </a:extLst>
+          </p:cNvPr>
+          <p:cNvSpPr/>
+          <p:nvPr/>
+        </p:nvSpPr>
+        <p:spPr>
+          <a:xfrm>
+            <a:off x="2864496" y="3429000"/>
+            <a:ext cx="989045" cy="910904"/>
+          </a:xfrm>
+          <a:prstGeom prst="flowChartDecision">
+            <a:avLst/>
+          </a:prstGeom>
+          <a:solidFill>
+            <a:srgbClr val="00B050"/>
+          </a:solidFill>
+        </p:spPr>
+        <p:style>
+          <a:lnRef idx="2">
+            <a:schemeClr val="accent1">
+              <a:shade val="15000"/>
+            </a:schemeClr>
+          </a:lnRef>
+          <a:fillRef idx="1">
+            <a:schemeClr val="accent1"/>
+          </a:fillRef>
+          <a:effectRef idx="0">
+            <a:schemeClr val="accent1"/>
+          </a:effectRef>
+          <a:fontRef idx="minor">
+            <a:schemeClr val="lt1"/>
+          </a:fontRef>
+        </p:style>
+        <p:txBody>
+          <a:bodyPr rtlCol="0" anchor="ctr"/>
+          <a:lstStyle/>
+          <a:p>
+            <a:pPr algn="ctr"/>
+            <a:r>
+              <a:rPr lang="it-IT" sz="2400" dirty="0"/>
+              <a:t>Te</a:t>
+            </a:r>
+          </a:p>
+        </p:txBody>
+      </p:sp>
+      <p:sp>
+        <p:nvSpPr>
+          <p:cNvPr id="36" name="Decisione 35">
+            <a:extLst>
+              <a:ext uri="{FF2B5EF4-FFF2-40B4-BE49-F238E27FC236}">
+                <a16:creationId xmlns:a16="http://schemas.microsoft.com/office/drawing/2014/main" id="{A71EA4F3-D308-B6E7-26D0-30820AF87FE0}"/>
+              </a:ext>
+            </a:extLst>
+          </p:cNvPr>
+          <p:cNvSpPr/>
+          <p:nvPr/>
+        </p:nvSpPr>
+        <p:spPr>
+          <a:xfrm>
+            <a:off x="5475498" y="3428999"/>
+            <a:ext cx="989045" cy="910904"/>
+          </a:xfrm>
+          <a:prstGeom prst="flowChartDecision">
+            <a:avLst/>
+          </a:prstGeom>
+          <a:solidFill>
+            <a:srgbClr val="00B050"/>
+          </a:solidFill>
+        </p:spPr>
+        <p:style>
+          <a:lnRef idx="2">
+            <a:schemeClr val="accent1">
+              <a:shade val="15000"/>
+            </a:schemeClr>
+          </a:lnRef>
+          <a:fillRef idx="1">
+            <a:schemeClr val="accent1"/>
+          </a:fillRef>
+          <a:effectRef idx="0">
+            <a:schemeClr val="accent1"/>
+          </a:effectRef>
+          <a:fontRef idx="minor">
+            <a:schemeClr val="lt1"/>
+          </a:fontRef>
+        </p:style>
+        <p:txBody>
+          <a:bodyPr rtlCol="0" anchor="ctr"/>
+          <a:lstStyle/>
+          <a:p>
+            <a:pPr algn="ctr"/>
+            <a:r>
+              <a:rPr lang="it-IT" sz="2400" dirty="0"/>
+              <a:t>Sp</a:t>
+            </a:r>
+          </a:p>
+        </p:txBody>
+      </p:sp>
+      <p:sp>
+        <p:nvSpPr>
+          <p:cNvPr id="37" name="Decisione 36">
+            <a:extLst>
+              <a:ext uri="{FF2B5EF4-FFF2-40B4-BE49-F238E27FC236}">
+                <a16:creationId xmlns:a16="http://schemas.microsoft.com/office/drawing/2014/main" id="{1DD4BBFB-834F-D8B2-953A-4DF290A480A8}"/>
+              </a:ext>
+            </a:extLst>
+          </p:cNvPr>
+          <p:cNvSpPr/>
+          <p:nvPr/>
+        </p:nvSpPr>
+        <p:spPr>
+          <a:xfrm>
+            <a:off x="8052138" y="3429000"/>
+            <a:ext cx="989045" cy="910904"/>
+          </a:xfrm>
+          <a:prstGeom prst="flowChartDecision">
+            <a:avLst/>
+          </a:prstGeom>
+          <a:solidFill>
+            <a:srgbClr val="00B050"/>
+          </a:solidFill>
+        </p:spPr>
+        <p:style>
+          <a:lnRef idx="2">
+            <a:schemeClr val="accent1">
+              <a:shade val="15000"/>
+            </a:schemeClr>
+          </a:lnRef>
+          <a:fillRef idx="1">
+            <a:schemeClr val="accent1"/>
+          </a:fillRef>
+          <a:effectRef idx="0">
+            <a:schemeClr val="accent1"/>
+          </a:effectRef>
+          <a:fontRef idx="minor">
+            <a:schemeClr val="lt1"/>
+          </a:fontRef>
+        </p:style>
+        <p:txBody>
+          <a:bodyPr rtlCol="0" anchor="ctr"/>
+          <a:lstStyle/>
+          <a:p>
+            <a:pPr algn="ctr"/>
+            <a:r>
+              <a:rPr lang="it-IT" sz="2400" dirty="0"/>
+              <a:t>SC</a:t>
+            </a:r>
+          </a:p>
+        </p:txBody>
+      </p:sp>
+      <p:sp>
+        <p:nvSpPr>
+          <p:cNvPr id="49" name="Rombo 48">
+            <a:extLst>
+              <a:ext uri="{FF2B5EF4-FFF2-40B4-BE49-F238E27FC236}">
+                <a16:creationId xmlns:a16="http://schemas.microsoft.com/office/drawing/2014/main" id="{8A473EEA-C1D8-4515-B7BA-47755A0520B9}"/>
+              </a:ext>
+            </a:extLst>
+          </p:cNvPr>
+          <p:cNvSpPr/>
+          <p:nvPr/>
+        </p:nvSpPr>
+        <p:spPr>
+          <a:xfrm>
+            <a:off x="7628354" y="2678352"/>
+            <a:ext cx="257175" cy="257175"/>
+          </a:xfrm>
+          <a:prstGeom prst="diamond">
+            <a:avLst/>
+          </a:prstGeom>
+          <a:noFill/>
+          <a:ln>
+            <a:solidFill>
+              <a:schemeClr val="tx1"/>
+            </a:solidFill>
+          </a:ln>
+        </p:spPr>
+        <p:style>
+          <a:lnRef idx="2">
+            <a:schemeClr val="accent1">
+              <a:shade val="15000"/>
+            </a:schemeClr>
+          </a:lnRef>
+          <a:fillRef idx="1">
+            <a:schemeClr val="accent1"/>
+          </a:fillRef>
+          <a:effectRef idx="0">
+            <a:schemeClr val="accent1"/>
+          </a:effectRef>
+          <a:fontRef idx="minor">
+            <a:schemeClr val="lt1"/>
+          </a:fontRef>
+        </p:style>
+        <p:txBody>
+          <a:bodyPr rtlCol="0" anchor="ctr"/>
+          <a:lstStyle/>
+          <a:p>
+            <a:pPr algn="ctr"/>
+            <a:r>
+              <a:rPr lang="it-IT" dirty="0">
+                <a:solidFill>
+                  <a:schemeClr val="tx1"/>
+                </a:solidFill>
+              </a:rPr>
+              <a:t>+</a:t>
+            </a:r>
+          </a:p>
+        </p:txBody>
+      </p:sp>
+      <p:cxnSp>
+        <p:nvCxnSpPr>
+          <p:cNvPr id="51" name="Connettore a gomito 50">
+            <a:extLst>
+              <a:ext uri="{FF2B5EF4-FFF2-40B4-BE49-F238E27FC236}">
+                <a16:creationId xmlns:a16="http://schemas.microsoft.com/office/drawing/2014/main" id="{6CD6A4DF-CD23-B451-EF81-DDABE03C06D9}"/>
+              </a:ext>
+            </a:extLst>
+          </p:cNvPr>
+          <p:cNvCxnSpPr>
+            <a:cxnSpLocks/>
+            <a:stCxn id="37" idx="1"/>
+            <a:endCxn id="49" idx="2"/>
+          </p:cNvCxnSpPr>
+          <p:nvPr/>
+        </p:nvCxnSpPr>
+        <p:spPr>
+          <a:xfrm rot="10800000">
+            <a:off x="7756942" y="2935528"/>
+            <a:ext cx="295196" cy="948925"/>
+          </a:xfrm>
+          <a:prstGeom prst="bentConnector2">
+            <a:avLst/>
+          </a:prstGeom>
+          <a:ln w="19050">
+            <a:solidFill>
+              <a:schemeClr val="tx1"/>
+            </a:solidFill>
+            <a:tailEnd type="triangle"/>
+          </a:ln>
+        </p:spPr>
+        <p:style>
+          <a:lnRef idx="1">
+            <a:schemeClr val="accent1"/>
+          </a:lnRef>
+          <a:fillRef idx="0">
+            <a:schemeClr val="accent1"/>
+          </a:fillRef>
+          <a:effectRef idx="0">
+            <a:schemeClr val="accent1"/>
+          </a:effectRef>
+          <a:fontRef idx="minor">
+            <a:schemeClr val="tx1"/>
+          </a:fontRef>
+        </p:style>
+      </p:cxnSp>
+      <p:sp>
+        <p:nvSpPr>
+          <p:cNvPr id="59" name="Rombo 58">
+            <a:extLst>
+              <a:ext uri="{FF2B5EF4-FFF2-40B4-BE49-F238E27FC236}">
+                <a16:creationId xmlns:a16="http://schemas.microsoft.com/office/drawing/2014/main" id="{AF749083-05D5-6238-2073-81ACBCA8B057}"/>
+              </a:ext>
+            </a:extLst>
+          </p:cNvPr>
+          <p:cNvSpPr/>
+          <p:nvPr/>
+        </p:nvSpPr>
+        <p:spPr>
+          <a:xfrm>
+            <a:off x="6684709" y="3755864"/>
+            <a:ext cx="257175" cy="257175"/>
+          </a:xfrm>
+          <a:prstGeom prst="diamond">
+            <a:avLst/>
+          </a:prstGeom>
+          <a:noFill/>
+          <a:ln>
+            <a:solidFill>
+              <a:schemeClr val="tx1"/>
+            </a:solidFill>
+          </a:ln>
+        </p:spPr>
+        <p:style>
+          <a:lnRef idx="2">
+            <a:schemeClr val="accent1">
+              <a:shade val="15000"/>
+            </a:schemeClr>
+          </a:lnRef>
+          <a:fillRef idx="1">
+            <a:schemeClr val="accent1"/>
+          </a:fillRef>
+          <a:effectRef idx="0">
+            <a:schemeClr val="accent1"/>
+          </a:effectRef>
+          <a:fontRef idx="minor">
+            <a:schemeClr val="lt1"/>
+          </a:fontRef>
+        </p:style>
+        <p:txBody>
+          <a:bodyPr rtlCol="0" anchor="ctr"/>
+          <a:lstStyle/>
+          <a:p>
+            <a:pPr algn="ctr"/>
+            <a:r>
+              <a:rPr lang="it-IT" dirty="0">
+                <a:solidFill>
+                  <a:schemeClr val="tx1"/>
+                </a:solidFill>
+              </a:rPr>
+              <a:t>+</a:t>
+            </a:r>
+          </a:p>
+        </p:txBody>
+      </p:sp>
+      <p:cxnSp>
+        <p:nvCxnSpPr>
+          <p:cNvPr id="60" name="Connettore a gomito 59">
+            <a:extLst>
+              <a:ext uri="{FF2B5EF4-FFF2-40B4-BE49-F238E27FC236}">
+                <a16:creationId xmlns:a16="http://schemas.microsoft.com/office/drawing/2014/main" id="{080A47D9-1624-6662-DB79-090A470969EF}"/>
+              </a:ext>
+            </a:extLst>
+          </p:cNvPr>
+          <p:cNvCxnSpPr>
+            <a:cxnSpLocks/>
+            <a:stCxn id="18" idx="2"/>
+            <a:endCxn id="59" idx="0"/>
+          </p:cNvCxnSpPr>
+          <p:nvPr/>
+        </p:nvCxnSpPr>
+        <p:spPr>
+          <a:xfrm rot="10800000" flipV="1">
+            <a:off x="6813298" y="2817654"/>
+            <a:ext cx="162949" cy="938210"/>
+          </a:xfrm>
+          <a:prstGeom prst="bentConnector2">
+            <a:avLst/>
+          </a:prstGeom>
+          <a:ln w="19050">
+            <a:solidFill>
+              <a:schemeClr val="tx1"/>
+            </a:solidFill>
+            <a:tailEnd type="triangle"/>
+          </a:ln>
+        </p:spPr>
+        <p:style>
+          <a:lnRef idx="1">
+            <a:schemeClr val="accent1"/>
+          </a:lnRef>
+          <a:fillRef idx="0">
+            <a:schemeClr val="accent1"/>
+          </a:fillRef>
+          <a:effectRef idx="0">
+            <a:schemeClr val="accent1"/>
+          </a:effectRef>
+          <a:fontRef idx="minor">
+            <a:schemeClr val="tx1"/>
+          </a:fontRef>
+        </p:style>
+      </p:cxnSp>
+      <p:cxnSp>
+        <p:nvCxnSpPr>
+          <p:cNvPr id="67" name="Connettore 2 66">
+            <a:extLst>
+              <a:ext uri="{FF2B5EF4-FFF2-40B4-BE49-F238E27FC236}">
+                <a16:creationId xmlns:a16="http://schemas.microsoft.com/office/drawing/2014/main" id="{D6927197-8010-E759-002F-7B03E4750C61}"/>
+              </a:ext>
+            </a:extLst>
+          </p:cNvPr>
+          <p:cNvCxnSpPr>
+            <a:cxnSpLocks/>
+            <a:stCxn id="49" idx="1"/>
+            <a:endCxn id="18" idx="6"/>
+          </p:cNvCxnSpPr>
+          <p:nvPr/>
+        </p:nvCxnSpPr>
+        <p:spPr>
+          <a:xfrm flipH="1">
+            <a:off x="7523253" y="2806940"/>
+            <a:ext cx="105101" cy="10714"/>
+          </a:xfrm>
+          <a:prstGeom prst="straightConnector1">
+            <a:avLst/>
+          </a:prstGeom>
+          <a:ln w="19050">
+            <a:solidFill>
+              <a:schemeClr val="tx1"/>
+            </a:solidFill>
+            <a:tailEnd type="triangle"/>
+          </a:ln>
+        </p:spPr>
+        <p:style>
+          <a:lnRef idx="1">
+            <a:schemeClr val="accent1"/>
+          </a:lnRef>
+          <a:fillRef idx="0">
+            <a:schemeClr val="accent1"/>
+          </a:fillRef>
+          <a:effectRef idx="0">
+            <a:schemeClr val="accent1"/>
+          </a:effectRef>
+          <a:fontRef idx="minor">
+            <a:schemeClr val="tx1"/>
+          </a:fontRef>
+        </p:style>
+      </p:cxnSp>
+      <p:cxnSp>
+        <p:nvCxnSpPr>
+          <p:cNvPr id="70" name="Connettore 2 69">
+            <a:extLst>
+              <a:ext uri="{FF2B5EF4-FFF2-40B4-BE49-F238E27FC236}">
+                <a16:creationId xmlns:a16="http://schemas.microsoft.com/office/drawing/2014/main" id="{04DB7214-7A0A-AC34-3FF7-54FF3DB96208}"/>
+              </a:ext>
+            </a:extLst>
+          </p:cNvPr>
+          <p:cNvCxnSpPr>
+            <a:cxnSpLocks/>
+            <a:stCxn id="37" idx="1"/>
+            <a:endCxn id="59" idx="3"/>
+          </p:cNvCxnSpPr>
+          <p:nvPr/>
+        </p:nvCxnSpPr>
+        <p:spPr>
+          <a:xfrm flipH="1">
+            <a:off x="6941884" y="3884452"/>
+            <a:ext cx="1110254" cy="0"/>
+          </a:xfrm>
+          <a:prstGeom prst="straightConnector1">
+            <a:avLst/>
+          </a:prstGeom>
+          <a:ln w="19050">
+            <a:solidFill>
+              <a:schemeClr val="tx1"/>
+            </a:solidFill>
+            <a:tailEnd type="triangle"/>
+          </a:ln>
+        </p:spPr>
+        <p:style>
+          <a:lnRef idx="1">
+            <a:schemeClr val="accent1"/>
+          </a:lnRef>
+          <a:fillRef idx="0">
+            <a:schemeClr val="accent1"/>
+          </a:fillRef>
+          <a:effectRef idx="0">
+            <a:schemeClr val="accent1"/>
+          </a:effectRef>
+          <a:fontRef idx="minor">
+            <a:schemeClr val="tx1"/>
+          </a:fontRef>
+        </p:style>
+      </p:cxnSp>
+      <p:cxnSp>
+        <p:nvCxnSpPr>
+          <p:cNvPr id="77" name="Connettore 2 76">
+            <a:extLst>
+              <a:ext uri="{FF2B5EF4-FFF2-40B4-BE49-F238E27FC236}">
+                <a16:creationId xmlns:a16="http://schemas.microsoft.com/office/drawing/2014/main" id="{406D437D-A2EA-E175-E7A9-F0CC7085ECA1}"/>
+              </a:ext>
+            </a:extLst>
+          </p:cNvPr>
+          <p:cNvCxnSpPr>
+            <a:cxnSpLocks/>
+            <a:stCxn id="59" idx="1"/>
+            <a:endCxn id="36" idx="3"/>
+          </p:cNvCxnSpPr>
+          <p:nvPr/>
+        </p:nvCxnSpPr>
+        <p:spPr>
+          <a:xfrm flipH="1" flipV="1">
+            <a:off x="6464543" y="3884451"/>
+            <a:ext cx="220166" cy="1"/>
+          </a:xfrm>
+          <a:prstGeom prst="straightConnector1">
+            <a:avLst/>
+          </a:prstGeom>
+          <a:ln w="19050">
+            <a:solidFill>
+              <a:schemeClr val="tx1"/>
+            </a:solidFill>
+            <a:tailEnd type="triangle"/>
+          </a:ln>
+        </p:spPr>
+        <p:style>
+          <a:lnRef idx="1">
+            <a:schemeClr val="accent1"/>
+          </a:lnRef>
+          <a:fillRef idx="0">
+            <a:schemeClr val="accent1"/>
+          </a:fillRef>
+          <a:effectRef idx="0">
+            <a:schemeClr val="accent1"/>
+          </a:effectRef>
+          <a:fontRef idx="minor">
+            <a:schemeClr val="tx1"/>
+          </a:fontRef>
+        </p:style>
+      </p:cxnSp>
+      <p:sp>
+        <p:nvSpPr>
+          <p:cNvPr id="81" name="Ovale 80">
+            <a:extLst>
+              <a:ext uri="{FF2B5EF4-FFF2-40B4-BE49-F238E27FC236}">
+                <a16:creationId xmlns:a16="http://schemas.microsoft.com/office/drawing/2014/main" id="{A8CA7893-CEB3-251E-764C-FEBA326F2D7F}"/>
+              </a:ext>
+            </a:extLst>
+          </p:cNvPr>
+          <p:cNvSpPr/>
+          <p:nvPr/>
+        </p:nvSpPr>
+        <p:spPr>
+          <a:xfrm>
+            <a:off x="4383829" y="2546830"/>
+            <a:ext cx="547007" cy="529746"/>
+          </a:xfrm>
+          <a:prstGeom prst="ellipse">
+            <a:avLst/>
+          </a:prstGeom>
+          <a:noFill/>
+        </p:spPr>
+        <p:style>
+          <a:lnRef idx="2">
+            <a:schemeClr val="accent1">
+              <a:shade val="15000"/>
+            </a:schemeClr>
+          </a:lnRef>
+          <a:fillRef idx="1">
+            <a:schemeClr val="accent1"/>
+          </a:fillRef>
+          <a:effectRef idx="0">
+            <a:schemeClr val="accent1"/>
+          </a:effectRef>
+          <a:fontRef idx="minor">
+            <a:schemeClr val="lt1"/>
+          </a:fontRef>
+        </p:style>
+        <p:txBody>
+          <a:bodyPr rtlCol="0" anchor="ctr"/>
+          <a:lstStyle/>
+          <a:p>
+            <a:pPr algn="ctr"/>
+            <a:r>
+              <a:rPr lang="it-IT" dirty="0">
+                <a:solidFill>
+                  <a:schemeClr val="tx1"/>
+                </a:solidFill>
+              </a:rPr>
+              <a:t>Z</a:t>
+            </a:r>
+            <a:r>
+              <a:rPr lang="it-IT" baseline="-25000" dirty="0">
+                <a:solidFill>
+                  <a:schemeClr val="tx1"/>
+                </a:solidFill>
+              </a:rPr>
+              <a:t>3</a:t>
+            </a:r>
+          </a:p>
+        </p:txBody>
+      </p:sp>
+      <p:sp>
+        <p:nvSpPr>
+          <p:cNvPr id="82" name="Rombo 81">
+            <a:extLst>
+              <a:ext uri="{FF2B5EF4-FFF2-40B4-BE49-F238E27FC236}">
+                <a16:creationId xmlns:a16="http://schemas.microsoft.com/office/drawing/2014/main" id="{F482254B-23B4-8593-E1D7-1D01CA556411}"/>
+              </a:ext>
+            </a:extLst>
+          </p:cNvPr>
+          <p:cNvSpPr/>
+          <p:nvPr/>
+        </p:nvSpPr>
+        <p:spPr>
+          <a:xfrm>
+            <a:off x="5054361" y="2678352"/>
+            <a:ext cx="257175" cy="257175"/>
+          </a:xfrm>
+          <a:prstGeom prst="diamond">
+            <a:avLst/>
+          </a:prstGeom>
+          <a:noFill/>
+          <a:ln>
+            <a:solidFill>
+              <a:schemeClr val="tx1"/>
+            </a:solidFill>
+          </a:ln>
+        </p:spPr>
+        <p:style>
+          <a:lnRef idx="2">
+            <a:schemeClr val="accent1">
+              <a:shade val="15000"/>
+            </a:schemeClr>
+          </a:lnRef>
+          <a:fillRef idx="1">
+            <a:schemeClr val="accent1"/>
+          </a:fillRef>
+          <a:effectRef idx="0">
+            <a:schemeClr val="accent1"/>
+          </a:effectRef>
+          <a:fontRef idx="minor">
+            <a:schemeClr val="lt1"/>
+          </a:fontRef>
+        </p:style>
+        <p:txBody>
+          <a:bodyPr rtlCol="0" anchor="ctr"/>
+          <a:lstStyle/>
+          <a:p>
+            <a:pPr algn="ctr"/>
+            <a:r>
+              <a:rPr lang="it-IT" dirty="0">
+                <a:solidFill>
+                  <a:schemeClr val="tx1"/>
+                </a:solidFill>
+              </a:rPr>
+              <a:t>+</a:t>
+            </a:r>
+          </a:p>
+        </p:txBody>
+      </p:sp>
+      <p:cxnSp>
+        <p:nvCxnSpPr>
+          <p:cNvPr id="83" name="Connettore a gomito 82">
+            <a:extLst>
+              <a:ext uri="{FF2B5EF4-FFF2-40B4-BE49-F238E27FC236}">
+                <a16:creationId xmlns:a16="http://schemas.microsoft.com/office/drawing/2014/main" id="{D5BBBD6C-9C65-F166-8451-07881537D272}"/>
+              </a:ext>
+            </a:extLst>
+          </p:cNvPr>
+          <p:cNvCxnSpPr>
+            <a:cxnSpLocks/>
+            <a:endCxn id="82" idx="2"/>
+          </p:cNvCxnSpPr>
+          <p:nvPr/>
+        </p:nvCxnSpPr>
+        <p:spPr>
+          <a:xfrm rot="10800000">
+            <a:off x="5182949" y="2935528"/>
+            <a:ext cx="295196" cy="948925"/>
+          </a:xfrm>
+          <a:prstGeom prst="bentConnector2">
+            <a:avLst/>
+          </a:prstGeom>
+          <a:ln w="19050">
+            <a:solidFill>
+              <a:schemeClr val="tx1"/>
+            </a:solidFill>
+            <a:tailEnd type="triangle"/>
+          </a:ln>
+        </p:spPr>
+        <p:style>
+          <a:lnRef idx="1">
+            <a:schemeClr val="accent1"/>
+          </a:lnRef>
+          <a:fillRef idx="0">
+            <a:schemeClr val="accent1"/>
+          </a:fillRef>
+          <a:effectRef idx="0">
+            <a:schemeClr val="accent1"/>
+          </a:effectRef>
+          <a:fontRef idx="minor">
+            <a:schemeClr val="tx1"/>
+          </a:fontRef>
+        </p:style>
+      </p:cxnSp>
+      <p:sp>
+        <p:nvSpPr>
+          <p:cNvPr id="84" name="Rombo 83">
+            <a:extLst>
+              <a:ext uri="{FF2B5EF4-FFF2-40B4-BE49-F238E27FC236}">
+                <a16:creationId xmlns:a16="http://schemas.microsoft.com/office/drawing/2014/main" id="{72AC1F5C-77F6-E3FD-F9B3-C40CE9F1464E}"/>
+              </a:ext>
+            </a:extLst>
+          </p:cNvPr>
+          <p:cNvSpPr/>
+          <p:nvPr/>
+        </p:nvSpPr>
+        <p:spPr>
+          <a:xfrm>
+            <a:off x="4110716" y="3755864"/>
+            <a:ext cx="257175" cy="257175"/>
+          </a:xfrm>
+          <a:prstGeom prst="diamond">
+            <a:avLst/>
+          </a:prstGeom>
+          <a:noFill/>
+          <a:ln>
+            <a:solidFill>
+              <a:schemeClr val="tx1"/>
+            </a:solidFill>
+          </a:ln>
+        </p:spPr>
+        <p:style>
+          <a:lnRef idx="2">
+            <a:schemeClr val="accent1">
+              <a:shade val="15000"/>
+            </a:schemeClr>
+          </a:lnRef>
+          <a:fillRef idx="1">
+            <a:schemeClr val="accent1"/>
+          </a:fillRef>
+          <a:effectRef idx="0">
+            <a:schemeClr val="accent1"/>
+          </a:effectRef>
+          <a:fontRef idx="minor">
+            <a:schemeClr val="lt1"/>
+          </a:fontRef>
+        </p:style>
+        <p:txBody>
+          <a:bodyPr rtlCol="0" anchor="ctr"/>
+          <a:lstStyle/>
+          <a:p>
+            <a:pPr algn="ctr"/>
+            <a:r>
+              <a:rPr lang="it-IT" dirty="0">
+                <a:solidFill>
+                  <a:schemeClr val="tx1"/>
+                </a:solidFill>
+              </a:rPr>
+              <a:t>+</a:t>
+            </a:r>
+          </a:p>
+        </p:txBody>
+      </p:sp>
+      <p:cxnSp>
+        <p:nvCxnSpPr>
+          <p:cNvPr id="85" name="Connettore a gomito 84">
+            <a:extLst>
+              <a:ext uri="{FF2B5EF4-FFF2-40B4-BE49-F238E27FC236}">
+                <a16:creationId xmlns:a16="http://schemas.microsoft.com/office/drawing/2014/main" id="{0515C2AA-DC89-0F2C-7C53-EBEB23AA8062}"/>
+              </a:ext>
+            </a:extLst>
+          </p:cNvPr>
+          <p:cNvCxnSpPr>
+            <a:cxnSpLocks/>
+            <a:stCxn id="81" idx="2"/>
+            <a:endCxn id="84" idx="0"/>
+          </p:cNvCxnSpPr>
+          <p:nvPr/>
+        </p:nvCxnSpPr>
+        <p:spPr>
+          <a:xfrm rot="10800000" flipV="1">
+            <a:off x="4239305" y="2811702"/>
+            <a:ext cx="144525" cy="944161"/>
+          </a:xfrm>
+          <a:prstGeom prst="bentConnector2">
+            <a:avLst/>
+          </a:prstGeom>
+          <a:ln w="19050">
+            <a:solidFill>
+              <a:schemeClr val="tx1"/>
+            </a:solidFill>
+            <a:tailEnd type="triangle"/>
+          </a:ln>
+        </p:spPr>
+        <p:style>
+          <a:lnRef idx="1">
+            <a:schemeClr val="accent1"/>
+          </a:lnRef>
+          <a:fillRef idx="0">
+            <a:schemeClr val="accent1"/>
+          </a:fillRef>
+          <a:effectRef idx="0">
+            <a:schemeClr val="accent1"/>
+          </a:effectRef>
+          <a:fontRef idx="minor">
+            <a:schemeClr val="tx1"/>
+          </a:fontRef>
+        </p:style>
+      </p:cxnSp>
+      <p:cxnSp>
+        <p:nvCxnSpPr>
+          <p:cNvPr id="86" name="Connettore 2 85">
+            <a:extLst>
+              <a:ext uri="{FF2B5EF4-FFF2-40B4-BE49-F238E27FC236}">
+                <a16:creationId xmlns:a16="http://schemas.microsoft.com/office/drawing/2014/main" id="{1EBF2BB5-B9A9-4B22-A5C0-A33E410C67AA}"/>
+              </a:ext>
+            </a:extLst>
+          </p:cNvPr>
+          <p:cNvCxnSpPr>
+            <a:cxnSpLocks/>
+            <a:stCxn id="82" idx="1"/>
+            <a:endCxn id="81" idx="6"/>
+          </p:cNvCxnSpPr>
+          <p:nvPr/>
+        </p:nvCxnSpPr>
+        <p:spPr>
+          <a:xfrm flipH="1">
+            <a:off x="4930836" y="2806940"/>
+            <a:ext cx="123525" cy="4763"/>
+          </a:xfrm>
+          <a:prstGeom prst="straightConnector1">
+            <a:avLst/>
+          </a:prstGeom>
+          <a:ln w="19050">
+            <a:solidFill>
+              <a:schemeClr val="tx1"/>
+            </a:solidFill>
+            <a:tailEnd type="triangle"/>
+          </a:ln>
+        </p:spPr>
+        <p:style>
+          <a:lnRef idx="1">
+            <a:schemeClr val="accent1"/>
+          </a:lnRef>
+          <a:fillRef idx="0">
+            <a:schemeClr val="accent1"/>
+          </a:fillRef>
+          <a:effectRef idx="0">
+            <a:schemeClr val="accent1"/>
+          </a:effectRef>
+          <a:fontRef idx="minor">
+            <a:schemeClr val="tx1"/>
+          </a:fontRef>
+        </p:style>
+      </p:cxnSp>
+      <p:cxnSp>
+        <p:nvCxnSpPr>
+          <p:cNvPr id="87" name="Connettore 2 86">
+            <a:extLst>
+              <a:ext uri="{FF2B5EF4-FFF2-40B4-BE49-F238E27FC236}">
+                <a16:creationId xmlns:a16="http://schemas.microsoft.com/office/drawing/2014/main" id="{C12400FA-526F-D2DF-2AD7-0AE78DE1BC9D}"/>
+              </a:ext>
+            </a:extLst>
+          </p:cNvPr>
+          <p:cNvCxnSpPr>
+            <a:cxnSpLocks/>
+            <a:stCxn id="36" idx="1"/>
+            <a:endCxn id="84" idx="3"/>
+          </p:cNvCxnSpPr>
+          <p:nvPr/>
+        </p:nvCxnSpPr>
+        <p:spPr>
+          <a:xfrm flipH="1">
+            <a:off x="4367891" y="3884451"/>
+            <a:ext cx="1107607" cy="1"/>
+          </a:xfrm>
+          <a:prstGeom prst="straightConnector1">
+            <a:avLst/>
+          </a:prstGeom>
+          <a:ln w="19050">
+            <a:solidFill>
+              <a:schemeClr val="tx1"/>
+            </a:solidFill>
+            <a:tailEnd type="triangle"/>
+          </a:ln>
+        </p:spPr>
+        <p:style>
+          <a:lnRef idx="1">
+            <a:schemeClr val="accent1"/>
+          </a:lnRef>
+          <a:fillRef idx="0">
+            <a:schemeClr val="accent1"/>
+          </a:fillRef>
+          <a:effectRef idx="0">
+            <a:schemeClr val="accent1"/>
+          </a:effectRef>
+          <a:fontRef idx="minor">
+            <a:schemeClr val="tx1"/>
+          </a:fontRef>
+        </p:style>
+      </p:cxnSp>
+      <p:cxnSp>
+        <p:nvCxnSpPr>
+          <p:cNvPr id="88" name="Connettore 2 87">
+            <a:extLst>
+              <a:ext uri="{FF2B5EF4-FFF2-40B4-BE49-F238E27FC236}">
+                <a16:creationId xmlns:a16="http://schemas.microsoft.com/office/drawing/2014/main" id="{8CBE282C-BEEC-2213-4637-A2EE82CFC062}"/>
+              </a:ext>
+            </a:extLst>
+          </p:cNvPr>
+          <p:cNvCxnSpPr>
+            <a:cxnSpLocks/>
+            <a:stCxn id="84" idx="1"/>
+          </p:cNvCxnSpPr>
+          <p:nvPr/>
+        </p:nvCxnSpPr>
+        <p:spPr>
+          <a:xfrm flipH="1" flipV="1">
+            <a:off x="3890550" y="3884451"/>
+            <a:ext cx="220166" cy="1"/>
+          </a:xfrm>
+          <a:prstGeom prst="straightConnector1">
+            <a:avLst/>
+          </a:prstGeom>
+          <a:ln w="19050">
+            <a:solidFill>
+              <a:schemeClr val="tx1"/>
+            </a:solidFill>
+            <a:tailEnd type="triangle"/>
+          </a:ln>
+        </p:spPr>
+        <p:style>
+          <a:lnRef idx="1">
+            <a:schemeClr val="accent1"/>
+          </a:lnRef>
+          <a:fillRef idx="0">
+            <a:schemeClr val="accent1"/>
+          </a:fillRef>
+          <a:effectRef idx="0">
+            <a:schemeClr val="accent1"/>
+          </a:effectRef>
+          <a:fontRef idx="minor">
+            <a:schemeClr val="tx1"/>
+          </a:fontRef>
+        </p:style>
+      </p:cxnSp>
+      <p:cxnSp>
+        <p:nvCxnSpPr>
+          <p:cNvPr id="91" name="Connettore a gomito 90">
+            <a:extLst>
+              <a:ext uri="{FF2B5EF4-FFF2-40B4-BE49-F238E27FC236}">
+                <a16:creationId xmlns:a16="http://schemas.microsoft.com/office/drawing/2014/main" id="{45D581ED-CDDE-D649-B574-F3736115521E}"/>
+              </a:ext>
+            </a:extLst>
+          </p:cNvPr>
+          <p:cNvCxnSpPr>
+            <a:cxnSpLocks/>
+            <a:stCxn id="5" idx="3"/>
+            <a:endCxn id="82" idx="0"/>
+          </p:cNvCxnSpPr>
+          <p:nvPr/>
+        </p:nvCxnSpPr>
+        <p:spPr>
+          <a:xfrm>
+            <a:off x="3853543" y="1271668"/>
+            <a:ext cx="1329406" cy="1406684"/>
+          </a:xfrm>
+          <a:prstGeom prst="bentConnector2">
+            <a:avLst/>
+          </a:prstGeom>
+          <a:ln w="19050">
+            <a:solidFill>
+              <a:schemeClr val="tx1"/>
+            </a:solidFill>
+            <a:tailEnd type="triangle"/>
+          </a:ln>
+        </p:spPr>
+        <p:style>
+          <a:lnRef idx="1">
+            <a:schemeClr val="accent1"/>
+          </a:lnRef>
+          <a:fillRef idx="0">
+            <a:schemeClr val="accent1"/>
+          </a:fillRef>
+          <a:effectRef idx="0">
+            <a:schemeClr val="accent1"/>
+          </a:effectRef>
+          <a:fontRef idx="minor">
+            <a:schemeClr val="tx1"/>
+          </a:fontRef>
+        </p:style>
+      </p:cxnSp>
+      <p:pic>
+        <p:nvPicPr>
+          <p:cNvPr id="94" name="Immagine 93" descr="Immagine che contiene testo, mappa&#10;&#10;Descrizione generata automaticamente">
+            <a:extLst>
+              <a:ext uri="{FF2B5EF4-FFF2-40B4-BE49-F238E27FC236}">
+                <a16:creationId xmlns:a16="http://schemas.microsoft.com/office/drawing/2014/main" id="{F59E1D1B-7482-B354-7C4C-63341E6C5971}"/>
+              </a:ext>
+            </a:extLst>
+          </p:cNvPr>
+          <p:cNvPicPr>
+            <a:picLocks noChangeAspect="1"/>
+          </p:cNvPicPr>
+          <p:nvPr/>
+        </p:nvPicPr>
+        <p:blipFill>
+          <a:blip r:embed="rId4">
+            <a:extLst>
+              <a:ext uri="{28A0092B-C50C-407E-A947-70E740481C1C}">
+                <a14:useLocalDpi xmlns:a14="http://schemas.microsoft.com/office/drawing/2010/main" val="0"/>
+              </a:ext>
+            </a:extLst>
+          </a:blip>
+          <a:stretch>
+            <a:fillRect/>
+          </a:stretch>
+        </p:blipFill>
+        <p:spPr>
+          <a:xfrm>
+            <a:off x="572102" y="3470775"/>
+            <a:ext cx="1590953" cy="827351"/>
+          </a:xfrm>
+          <a:prstGeom prst="rect">
+            <a:avLst/>
+          </a:prstGeom>
+          <a:ln>
+            <a:solidFill>
+              <a:schemeClr val="tx1"/>
+            </a:solidFill>
+          </a:ln>
+        </p:spPr>
+      </p:pic>
+      <p:cxnSp>
+        <p:nvCxnSpPr>
+          <p:cNvPr id="95" name="Connettore 2 94">
+            <a:extLst>
+              <a:ext uri="{FF2B5EF4-FFF2-40B4-BE49-F238E27FC236}">
+                <a16:creationId xmlns:a16="http://schemas.microsoft.com/office/drawing/2014/main" id="{6AC2D157-0209-1EF9-C4F6-8466BF90D7ED}"/>
+              </a:ext>
+            </a:extLst>
+          </p:cNvPr>
+          <p:cNvCxnSpPr>
+            <a:cxnSpLocks/>
+            <a:stCxn id="35" idx="1"/>
+            <a:endCxn id="94" idx="3"/>
+          </p:cNvCxnSpPr>
+          <p:nvPr/>
+        </p:nvCxnSpPr>
+        <p:spPr>
+          <a:xfrm flipH="1" flipV="1">
+            <a:off x="2163055" y="3884451"/>
+            <a:ext cx="701441" cy="1"/>
+          </a:xfrm>
+          <a:prstGeom prst="straightConnector1">
+            <a:avLst/>
+          </a:prstGeom>
+          <a:ln w="19050">
+            <a:solidFill>
+              <a:schemeClr val="tx1"/>
+            </a:solidFill>
+            <a:tailEnd type="triangle"/>
+          </a:ln>
+        </p:spPr>
+        <p:style>
+          <a:lnRef idx="1">
+            <a:schemeClr val="accent1"/>
+          </a:lnRef>
+          <a:fillRef idx="0">
+            <a:schemeClr val="accent1"/>
+          </a:fillRef>
+          <a:effectRef idx="0">
+            <a:schemeClr val="accent1"/>
+          </a:effectRef>
+          <a:fontRef idx="minor">
+            <a:schemeClr val="tx1"/>
+          </a:fontRef>
+        </p:style>
+      </p:cxnSp>
+      <p:cxnSp>
+        <p:nvCxnSpPr>
+          <p:cNvPr id="99" name="Connettore a gomito 98">
+            <a:extLst>
+              <a:ext uri="{FF2B5EF4-FFF2-40B4-BE49-F238E27FC236}">
+                <a16:creationId xmlns:a16="http://schemas.microsoft.com/office/drawing/2014/main" id="{F2244270-839F-A485-482D-EC369B436523}"/>
+              </a:ext>
+            </a:extLst>
+          </p:cNvPr>
+          <p:cNvCxnSpPr>
+            <a:cxnSpLocks/>
+            <a:stCxn id="17" idx="4"/>
+            <a:endCxn id="37" idx="3"/>
+          </p:cNvCxnSpPr>
+          <p:nvPr/>
+        </p:nvCxnSpPr>
+        <p:spPr>
+          <a:xfrm rot="5400000">
+            <a:off x="8999676" y="3188972"/>
+            <a:ext cx="736988" cy="653973"/>
+          </a:xfrm>
+          <a:prstGeom prst="bentConnector2">
+            <a:avLst/>
+          </a:prstGeom>
+          <a:ln w="19050">
+            <a:solidFill>
+              <a:schemeClr val="tx1"/>
+            </a:solidFill>
+            <a:tailEnd type="triangle"/>
+          </a:ln>
+        </p:spPr>
+        <p:style>
+          <a:lnRef idx="1">
+            <a:schemeClr val="accent1"/>
+          </a:lnRef>
+          <a:fillRef idx="0">
+            <a:schemeClr val="accent1"/>
+          </a:fillRef>
+          <a:effectRef idx="0">
+            <a:schemeClr val="accent1"/>
+          </a:effectRef>
+          <a:fontRef idx="minor">
+            <a:schemeClr val="tx1"/>
+          </a:fontRef>
+        </p:style>
+      </p:cxnSp>
+      <p:pic>
+        <p:nvPicPr>
+          <p:cNvPr id="13" name="Immagine 12" descr="\documentclass{article}&#10;\usepackage{amssymb}&#10;\usepackage{amstext}&#10;\usepackage{amsmath}&#10;\pagestyle{empty}&#10;\begin{document}&#10;&#10;\begin{equation*}&#10;    X \in \mathbb{R}^{C \times T}&#10;\end{equation*}&#10;&#10;\end{document}" title="IguanaTex Bitmap Display">
+            <a:extLst>
+              <a:ext uri="{FF2B5EF4-FFF2-40B4-BE49-F238E27FC236}">
+                <a16:creationId xmlns:a16="http://schemas.microsoft.com/office/drawing/2014/main" id="{1DFB2C5D-7EC8-3674-0002-4B4242429FD6}"/>
+              </a:ext>
+            </a:extLst>
+          </p:cNvPr>
+          <p:cNvPicPr>
+            <a:picLocks noChangeAspect="1"/>
+          </p:cNvPicPr>
+          <p:nvPr>
+            <p:custDataLst>
+              <p:tags r:id="rId1"/>
+            </p:custDataLst>
+          </p:nvPr>
+        </p:nvPicPr>
+        <p:blipFill>
+          <a:blip r:embed="rId5">
+            <a:extLst>
+              <a:ext uri="{28A0092B-C50C-407E-A947-70E740481C1C}">
+                <a14:useLocalDpi xmlns:a14="http://schemas.microsoft.com/office/drawing/2010/main" val="0"/>
+              </a:ext>
+            </a:extLst>
+          </a:blip>
+          <a:stretch>
+            <a:fillRect/>
+          </a:stretch>
+        </p:blipFill>
+        <p:spPr>
+          <a:xfrm>
+            <a:off x="829134" y="1747823"/>
+            <a:ext cx="1171809" cy="240762"/>
+          </a:xfrm>
+          <a:prstGeom prst="rect">
+            <a:avLst/>
+          </a:prstGeom>
+        </p:spPr>
+      </p:pic>
+      <p:pic>
+        <p:nvPicPr>
+          <p:cNvPr id="15" name="Immagine 14" descr="\documentclass{article}&#10;\usepackage{amssymb}&#10;\usepackage{amstext}&#10;\usepackage{amsmath}&#10;\pagestyle{empty}&#10;\begin{document}&#10;&#10;\begin{equation*}&#10;    X_R \in \mathbb{R}^{C \times T}&#10;\end{equation*}&#10;&#10;\end{document}" title="IguanaTex Bitmap Display">
+            <a:extLst>
+              <a:ext uri="{FF2B5EF4-FFF2-40B4-BE49-F238E27FC236}">
+                <a16:creationId xmlns:a16="http://schemas.microsoft.com/office/drawing/2014/main" id="{A39CEF70-05BF-ABD7-63E2-0076BA6D474E}"/>
+              </a:ext>
+            </a:extLst>
+          </p:cNvPr>
+          <p:cNvPicPr>
+            <a:picLocks noChangeAspect="1"/>
+          </p:cNvPicPr>
+          <p:nvPr>
+            <p:custDataLst>
+              <p:tags r:id="rId2"/>
+            </p:custDataLst>
+          </p:nvPr>
+        </p:nvPicPr>
+        <p:blipFill>
+          <a:blip r:embed="rId6">
+            <a:extLst>
+              <a:ext uri="{28A0092B-C50C-407E-A947-70E740481C1C}">
+                <a14:useLocalDpi xmlns:a14="http://schemas.microsoft.com/office/drawing/2010/main" val="0"/>
+              </a:ext>
+            </a:extLst>
+          </a:blip>
+          <a:stretch>
+            <a:fillRect/>
+          </a:stretch>
+        </p:blipFill>
+        <p:spPr>
+          <a:xfrm>
+            <a:off x="829134" y="4424784"/>
+            <a:ext cx="1318095" cy="271238"/>
+          </a:xfrm>
+          <a:prstGeom prst="rect">
+            <a:avLst/>
+          </a:prstGeom>
+        </p:spPr>
+      </p:pic>
+    </p:spTree>
+    <p:extLst>
+      <p:ext uri="{BB962C8B-B14F-4D97-AF65-F5344CB8AC3E}">
+        <p14:creationId xmlns:p14="http://schemas.microsoft.com/office/powerpoint/2010/main" val="4004953024"/>
+      </p:ext>
+    </p:extLst>
+  </p:cSld>
+  <p:clrMapOvr>
+    <a:masterClrMapping/>
+  </p:clrMapOvr>
+</p:sld>
+</file>
+
+<file path=ppt/tags/tag1.xml><?xml version="1.0" encoding="utf-8"?>
+<p:tagLst xmlns:a="http://schemas.openxmlformats.org/drawingml/2006/main" xmlns:r="http://schemas.openxmlformats.org/officeDocument/2006/relationships" xmlns:p="http://schemas.openxmlformats.org/presentationml/2006/main">
+  <p:tag name="OUTPUTDPI" val="1200"/>
+  <p:tag name="ORIGINALHEIGHT" val="118,4852"/>
+  <p:tag name="ORIGINALWIDTH" val="576,6779"/>
+  <p:tag name="OUTPUTTYPE" val="PNG"/>
+  <p:tag name="IGUANATEXVERSION" val="160"/>
+  <p:tag name="LATEXADDIN" val="\documentclass{article}&#10;\usepackage{amssymb}&#10;\usepackage{amstext}&#10;\usepackage{amsmath}&#10;\pagestyle{empty}&#10;\begin{document}&#10;&#10;\begin{equation*}&#10;    X \in \mathbb{R}^{C \times T}&#10;\end{equation*}&#10;&#10;\end{document}"/>
+  <p:tag name="IGUANATEXSIZE" val="20"/>
+  <p:tag name="IGUANATEXCURSOR" val="0"/>
+  <p:tag name="TRANSPARENCY" val="Vero"/>
+  <p:tag name="LATEXENGINEID" val="0"/>
+  <p:tag name="TEMPFOLDER" val="c:\temp\"/>
+  <p:tag name="LATEXFORMHEIGHT" val="320"/>
+  <p:tag name="LATEXFORMWIDTH" val="385"/>
+  <p:tag name="LATEXFORMWRAP" val="Vero"/>
+  <p:tag name="BITMAPVECTOR" val="0"/>
+</p:tagLst>
+</file>
+
+<file path=ppt/tags/tag2.xml><?xml version="1.0" encoding="utf-8"?>
+<p:tagLst xmlns:a="http://schemas.openxmlformats.org/drawingml/2006/main" xmlns:r="http://schemas.openxmlformats.org/officeDocument/2006/relationships" xmlns:p="http://schemas.openxmlformats.org/presentationml/2006/main">
+  <p:tag name="OUTPUTDPI" val="1200"/>
+  <p:tag name="ORIGINALHEIGHT" val="133,4833"/>
+  <p:tag name="ORIGINALWIDTH" val="648,6689"/>
+  <p:tag name="OUTPUTTYPE" val="PNG"/>
+  <p:tag name="IGUANATEXVERSION" val="160"/>
+  <p:tag name="LATEXADDIN" val="\documentclass{article}&#10;\usepackage{amssymb}&#10;\usepackage{amstext}&#10;\usepackage{amsmath}&#10;\pagestyle{empty}&#10;\begin{document}&#10;&#10;\begin{equation*}&#10;    X_R \in \mathbb{R}^{C \times T}&#10;\end{equation*}&#10;&#10;\end{document}"/>
+  <p:tag name="IGUANATEXSIZE" val="20"/>
+  <p:tag name="IGUANATEXCURSOR" val="148"/>
+  <p:tag name="TRANSPARENCY" val="Vero"/>
+  <p:tag name="LATEXENGINEID" val="0"/>
+  <p:tag name="TEMPFOLDER" val="c:\temp\"/>
+  <p:tag name="LATEXFORMHEIGHT" val="320"/>
+  <p:tag name="LATEXFORMWIDTH" val="385"/>
+  <p:tag name="LATEXFORMWRAP" val="Vero"/>
+  <p:tag name="BITMAPVECTOR" val="0"/>
+</p:tagLst>
 </file>
 
 <file path=ppt/theme/theme1.xml><?xml version="1.0" encoding="utf-8"?>

--- a/Other/Schemi vari.pptx
+++ b/Other/Schemi vari.pptx
@@ -5,7 +5,7 @@
     <p:sldMasterId id="2147483648" r:id="rId1"/>
   </p:sldMasterIdLst>
   <p:notesMasterIdLst>
-    <p:notesMasterId r:id="rId9"/>
+    <p:notesMasterId r:id="rId10"/>
   </p:notesMasterIdLst>
   <p:sldIdLst>
     <p:sldId id="257" r:id="rId2"/>
@@ -15,6 +15,7 @@
     <p:sldId id="262" r:id="rId6"/>
     <p:sldId id="261" r:id="rId7"/>
     <p:sldId id="263" r:id="rId8"/>
+    <p:sldId id="264" r:id="rId9"/>
   </p:sldIdLst>
   <p:sldSz cx="12192000" cy="6858000"/>
   <p:notesSz cx="6858000" cy="9144000"/>
@@ -203,7 +204,7 @@
           <a:p>
             <a:fld id="{5CA0605C-C771-4703-85B5-7F99996110FD}" type="datetimeFigureOut">
               <a:rPr lang="it-IT" smtClean="0"/>
-              <a:t>25/07/2023</a:t>
+              <a:t>05/10/2023</a:t>
             </a:fld>
             <a:endParaRPr lang="it-IT"/>
           </a:p>
@@ -617,7 +618,7 @@
           <a:p>
             <a:fld id="{E2D9E387-0C31-4D48-859D-93BB4AEC8C15}" type="datetimeFigureOut">
               <a:rPr lang="it-IT" smtClean="0"/>
-              <a:t>25/07/2023</a:t>
+              <a:t>05/10/2023</a:t>
             </a:fld>
             <a:endParaRPr lang="it-IT"/>
           </a:p>
@@ -815,7 +816,7 @@
           <a:p>
             <a:fld id="{E2D9E387-0C31-4D48-859D-93BB4AEC8C15}" type="datetimeFigureOut">
               <a:rPr lang="it-IT" smtClean="0"/>
-              <a:t>25/07/2023</a:t>
+              <a:t>05/10/2023</a:t>
             </a:fld>
             <a:endParaRPr lang="it-IT"/>
           </a:p>
@@ -1023,7 +1024,7 @@
           <a:p>
             <a:fld id="{E2D9E387-0C31-4D48-859D-93BB4AEC8C15}" type="datetimeFigureOut">
               <a:rPr lang="it-IT" smtClean="0"/>
-              <a:t>25/07/2023</a:t>
+              <a:t>05/10/2023</a:t>
             </a:fld>
             <a:endParaRPr lang="it-IT"/>
           </a:p>
@@ -1221,7 +1222,7 @@
           <a:p>
             <a:fld id="{E2D9E387-0C31-4D48-859D-93BB4AEC8C15}" type="datetimeFigureOut">
               <a:rPr lang="it-IT" smtClean="0"/>
-              <a:t>25/07/2023</a:t>
+              <a:t>05/10/2023</a:t>
             </a:fld>
             <a:endParaRPr lang="it-IT"/>
           </a:p>
@@ -1496,7 +1497,7 @@
           <a:p>
             <a:fld id="{E2D9E387-0C31-4D48-859D-93BB4AEC8C15}" type="datetimeFigureOut">
               <a:rPr lang="it-IT" smtClean="0"/>
-              <a:t>25/07/2023</a:t>
+              <a:t>05/10/2023</a:t>
             </a:fld>
             <a:endParaRPr lang="it-IT"/>
           </a:p>
@@ -1761,7 +1762,7 @@
           <a:p>
             <a:fld id="{E2D9E387-0C31-4D48-859D-93BB4AEC8C15}" type="datetimeFigureOut">
               <a:rPr lang="it-IT" smtClean="0"/>
-              <a:t>25/07/2023</a:t>
+              <a:t>05/10/2023</a:t>
             </a:fld>
             <a:endParaRPr lang="it-IT"/>
           </a:p>
@@ -2173,7 +2174,7 @@
           <a:p>
             <a:fld id="{E2D9E387-0C31-4D48-859D-93BB4AEC8C15}" type="datetimeFigureOut">
               <a:rPr lang="it-IT" smtClean="0"/>
-              <a:t>25/07/2023</a:t>
+              <a:t>05/10/2023</a:t>
             </a:fld>
             <a:endParaRPr lang="it-IT"/>
           </a:p>
@@ -2314,7 +2315,7 @@
           <a:p>
             <a:fld id="{E2D9E387-0C31-4D48-859D-93BB4AEC8C15}" type="datetimeFigureOut">
               <a:rPr lang="it-IT" smtClean="0"/>
-              <a:t>25/07/2023</a:t>
+              <a:t>05/10/2023</a:t>
             </a:fld>
             <a:endParaRPr lang="it-IT"/>
           </a:p>
@@ -2427,7 +2428,7 @@
           <a:p>
             <a:fld id="{E2D9E387-0C31-4D48-859D-93BB4AEC8C15}" type="datetimeFigureOut">
               <a:rPr lang="it-IT" smtClean="0"/>
-              <a:t>25/07/2023</a:t>
+              <a:t>05/10/2023</a:t>
             </a:fld>
             <a:endParaRPr lang="it-IT"/>
           </a:p>
@@ -2738,7 +2739,7 @@
           <a:p>
             <a:fld id="{E2D9E387-0C31-4D48-859D-93BB4AEC8C15}" type="datetimeFigureOut">
               <a:rPr lang="it-IT" smtClean="0"/>
-              <a:t>25/07/2023</a:t>
+              <a:t>05/10/2023</a:t>
             </a:fld>
             <a:endParaRPr lang="it-IT"/>
           </a:p>
@@ -3026,7 +3027,7 @@
           <a:p>
             <a:fld id="{E2D9E387-0C31-4D48-859D-93BB4AEC8C15}" type="datetimeFigureOut">
               <a:rPr lang="it-IT" smtClean="0"/>
-              <a:t>25/07/2023</a:t>
+              <a:t>05/10/2023</a:t>
             </a:fld>
             <a:endParaRPr lang="it-IT"/>
           </a:p>
@@ -3267,7 +3268,7 @@
           <a:p>
             <a:fld id="{E2D9E387-0C31-4D48-859D-93BB4AEC8C15}" type="datetimeFigureOut">
               <a:rPr lang="it-IT" smtClean="0"/>
-              <a:t>25/07/2023</a:t>
+              <a:t>05/10/2023</a:t>
             </a:fld>
             <a:endParaRPr lang="it-IT"/>
           </a:p>
@@ -20499,6 +20500,931 @@
 </p:sld>
 </file>
 
+<file path=ppt/slides/slide8.xml><?xml version="1.0" encoding="utf-8"?>
+<p:sld xmlns:a="http://schemas.openxmlformats.org/drawingml/2006/main" xmlns:r="http://schemas.openxmlformats.org/officeDocument/2006/relationships" xmlns:p="http://schemas.openxmlformats.org/presentationml/2006/main">
+  <p:cSld>
+    <p:spTree>
+      <p:nvGrpSpPr>
+        <p:cNvPr id="1" name=""/>
+        <p:cNvGrpSpPr/>
+        <p:nvPr/>
+      </p:nvGrpSpPr>
+      <p:grpSpPr>
+        <a:xfrm>
+          <a:off x="0" y="0"/>
+          <a:ext cx="0" cy="0"/>
+          <a:chOff x="0" y="0"/>
+          <a:chExt cx="0" cy="0"/>
+        </a:xfrm>
+      </p:grpSpPr>
+      <p:pic>
+        <p:nvPicPr>
+          <p:cNvPr id="4" name="Immagine 3" descr="Immagine che contiene testo, mappa&#10;&#10;Descrizione generata automaticamente">
+            <a:extLst>
+              <a:ext uri="{FF2B5EF4-FFF2-40B4-BE49-F238E27FC236}">
+                <a16:creationId xmlns:a16="http://schemas.microsoft.com/office/drawing/2014/main" id="{9DFF69F3-D555-4EEF-29F7-E07C4486AD33}"/>
+              </a:ext>
+            </a:extLst>
+          </p:cNvPr>
+          <p:cNvPicPr>
+            <a:picLocks noChangeAspect="1"/>
+          </p:cNvPicPr>
+          <p:nvPr/>
+        </p:nvPicPr>
+        <p:blipFill>
+          <a:blip r:embed="rId4">
+            <a:extLst>
+              <a:ext uri="{28A0092B-C50C-407E-A947-70E740481C1C}">
+                <a14:useLocalDpi xmlns:a14="http://schemas.microsoft.com/office/drawing/2010/main" val="0"/>
+              </a:ext>
+            </a:extLst>
+          </a:blip>
+          <a:stretch>
+            <a:fillRect/>
+          </a:stretch>
+        </p:blipFill>
+        <p:spPr>
+          <a:xfrm>
+            <a:off x="533122" y="857993"/>
+            <a:ext cx="1590953" cy="827351"/>
+          </a:xfrm>
+          <a:prstGeom prst="rect">
+            <a:avLst/>
+          </a:prstGeom>
+          <a:ln>
+            <a:solidFill>
+              <a:schemeClr val="tx1"/>
+            </a:solidFill>
+          </a:ln>
+        </p:spPr>
+      </p:pic>
+      <p:sp>
+        <p:nvSpPr>
+          <p:cNvPr id="5" name="Decisione 4">
+            <a:extLst>
+              <a:ext uri="{FF2B5EF4-FFF2-40B4-BE49-F238E27FC236}">
+                <a16:creationId xmlns:a16="http://schemas.microsoft.com/office/drawing/2014/main" id="{9DC963C3-194B-A3F5-3D19-724A93762A05}"/>
+              </a:ext>
+            </a:extLst>
+          </p:cNvPr>
+          <p:cNvSpPr/>
+          <p:nvPr/>
+        </p:nvSpPr>
+        <p:spPr>
+          <a:xfrm>
+            <a:off x="2864498" y="816216"/>
+            <a:ext cx="989045" cy="910904"/>
+          </a:xfrm>
+          <a:prstGeom prst="flowChartDecision">
+            <a:avLst/>
+          </a:prstGeom>
+        </p:spPr>
+        <p:style>
+          <a:lnRef idx="2">
+            <a:schemeClr val="accent1">
+              <a:shade val="15000"/>
+            </a:schemeClr>
+          </a:lnRef>
+          <a:fillRef idx="1">
+            <a:schemeClr val="accent1"/>
+          </a:fillRef>
+          <a:effectRef idx="0">
+            <a:schemeClr val="accent1"/>
+          </a:effectRef>
+          <a:fontRef idx="minor">
+            <a:schemeClr val="lt1"/>
+          </a:fontRef>
+        </p:style>
+        <p:txBody>
+          <a:bodyPr rtlCol="0" anchor="ctr"/>
+          <a:lstStyle/>
+          <a:p>
+            <a:pPr algn="ctr"/>
+            <a:r>
+              <a:rPr lang="it-IT" sz="2400" dirty="0"/>
+              <a:t>Te</a:t>
+            </a:r>
+          </a:p>
+        </p:txBody>
+      </p:sp>
+      <p:sp>
+        <p:nvSpPr>
+          <p:cNvPr id="6" name="Decisione 5">
+            <a:extLst>
+              <a:ext uri="{FF2B5EF4-FFF2-40B4-BE49-F238E27FC236}">
+                <a16:creationId xmlns:a16="http://schemas.microsoft.com/office/drawing/2014/main" id="{7B6F44FA-5DFA-8816-98CD-E0223A5BD705}"/>
+              </a:ext>
+            </a:extLst>
+          </p:cNvPr>
+          <p:cNvSpPr/>
+          <p:nvPr/>
+        </p:nvSpPr>
+        <p:spPr>
+          <a:xfrm>
+            <a:off x="5458318" y="816216"/>
+            <a:ext cx="989045" cy="910904"/>
+          </a:xfrm>
+          <a:prstGeom prst="flowChartDecision">
+            <a:avLst/>
+          </a:prstGeom>
+        </p:spPr>
+        <p:style>
+          <a:lnRef idx="2">
+            <a:schemeClr val="accent1">
+              <a:shade val="15000"/>
+            </a:schemeClr>
+          </a:lnRef>
+          <a:fillRef idx="1">
+            <a:schemeClr val="accent1"/>
+          </a:fillRef>
+          <a:effectRef idx="0">
+            <a:schemeClr val="accent1"/>
+          </a:effectRef>
+          <a:fontRef idx="minor">
+            <a:schemeClr val="lt1"/>
+          </a:fontRef>
+        </p:style>
+        <p:txBody>
+          <a:bodyPr rtlCol="0" anchor="ctr"/>
+          <a:lstStyle/>
+          <a:p>
+            <a:pPr algn="ctr"/>
+            <a:r>
+              <a:rPr lang="it-IT" sz="2400" dirty="0"/>
+              <a:t>Sp</a:t>
+            </a:r>
+          </a:p>
+        </p:txBody>
+      </p:sp>
+      <p:sp>
+        <p:nvSpPr>
+          <p:cNvPr id="7" name="Decisione 6">
+            <a:extLst>
+              <a:ext uri="{FF2B5EF4-FFF2-40B4-BE49-F238E27FC236}">
+                <a16:creationId xmlns:a16="http://schemas.microsoft.com/office/drawing/2014/main" id="{A93449EE-2092-17D0-9477-3057387F9CFD}"/>
+              </a:ext>
+            </a:extLst>
+          </p:cNvPr>
+          <p:cNvSpPr/>
+          <p:nvPr/>
+        </p:nvSpPr>
+        <p:spPr>
+          <a:xfrm>
+            <a:off x="8052138" y="816216"/>
+            <a:ext cx="989045" cy="910904"/>
+          </a:xfrm>
+          <a:prstGeom prst="flowChartDecision">
+            <a:avLst/>
+          </a:prstGeom>
+        </p:spPr>
+        <p:style>
+          <a:lnRef idx="2">
+            <a:schemeClr val="accent1">
+              <a:shade val="15000"/>
+            </a:schemeClr>
+          </a:lnRef>
+          <a:fillRef idx="1">
+            <a:schemeClr val="accent1"/>
+          </a:fillRef>
+          <a:effectRef idx="0">
+            <a:schemeClr val="accent1"/>
+          </a:effectRef>
+          <a:fontRef idx="minor">
+            <a:schemeClr val="lt1"/>
+          </a:fontRef>
+        </p:style>
+        <p:txBody>
+          <a:bodyPr rtlCol="0" anchor="ctr"/>
+          <a:lstStyle/>
+          <a:p>
+            <a:pPr algn="ctr"/>
+            <a:r>
+              <a:rPr lang="it-IT" sz="2400" dirty="0"/>
+              <a:t>SC</a:t>
+            </a:r>
+          </a:p>
+        </p:txBody>
+      </p:sp>
+      <p:cxnSp>
+        <p:nvCxnSpPr>
+          <p:cNvPr id="9" name="Connettore 2 8">
+            <a:extLst>
+              <a:ext uri="{FF2B5EF4-FFF2-40B4-BE49-F238E27FC236}">
+                <a16:creationId xmlns:a16="http://schemas.microsoft.com/office/drawing/2014/main" id="{E022C874-78FA-13F8-BE88-FBDF627C329E}"/>
+              </a:ext>
+            </a:extLst>
+          </p:cNvPr>
+          <p:cNvCxnSpPr>
+            <a:cxnSpLocks/>
+            <a:stCxn id="4" idx="3"/>
+            <a:endCxn id="5" idx="1"/>
+          </p:cNvCxnSpPr>
+          <p:nvPr/>
+        </p:nvCxnSpPr>
+        <p:spPr>
+          <a:xfrm flipV="1">
+            <a:off x="2124075" y="1271668"/>
+            <a:ext cx="740423" cy="1"/>
+          </a:xfrm>
+          <a:prstGeom prst="straightConnector1">
+            <a:avLst/>
+          </a:prstGeom>
+          <a:ln w="19050">
+            <a:solidFill>
+              <a:schemeClr val="tx1"/>
+            </a:solidFill>
+            <a:tailEnd type="triangle"/>
+          </a:ln>
+        </p:spPr>
+        <p:style>
+          <a:lnRef idx="1">
+            <a:schemeClr val="accent1"/>
+          </a:lnRef>
+          <a:fillRef idx="0">
+            <a:schemeClr val="accent1"/>
+          </a:fillRef>
+          <a:effectRef idx="0">
+            <a:schemeClr val="accent1"/>
+          </a:effectRef>
+          <a:fontRef idx="minor">
+            <a:schemeClr val="tx1"/>
+          </a:fontRef>
+        </p:style>
+      </p:cxnSp>
+      <p:cxnSp>
+        <p:nvCxnSpPr>
+          <p:cNvPr id="12" name="Connettore 2 11">
+            <a:extLst>
+              <a:ext uri="{FF2B5EF4-FFF2-40B4-BE49-F238E27FC236}">
+                <a16:creationId xmlns:a16="http://schemas.microsoft.com/office/drawing/2014/main" id="{6836EBF0-E113-82CF-E9D1-D9B23E57E28A}"/>
+              </a:ext>
+            </a:extLst>
+          </p:cNvPr>
+          <p:cNvCxnSpPr>
+            <a:cxnSpLocks/>
+            <a:stCxn id="5" idx="3"/>
+            <a:endCxn id="6" idx="1"/>
+          </p:cNvCxnSpPr>
+          <p:nvPr/>
+        </p:nvCxnSpPr>
+        <p:spPr>
+          <a:xfrm>
+            <a:off x="3853543" y="1271668"/>
+            <a:ext cx="1604775" cy="0"/>
+          </a:xfrm>
+          <a:prstGeom prst="straightConnector1">
+            <a:avLst/>
+          </a:prstGeom>
+          <a:ln w="19050">
+            <a:solidFill>
+              <a:schemeClr val="tx1"/>
+            </a:solidFill>
+            <a:tailEnd type="triangle"/>
+          </a:ln>
+        </p:spPr>
+        <p:style>
+          <a:lnRef idx="1">
+            <a:schemeClr val="accent1"/>
+          </a:lnRef>
+          <a:fillRef idx="0">
+            <a:schemeClr val="accent1"/>
+          </a:fillRef>
+          <a:effectRef idx="0">
+            <a:schemeClr val="accent1"/>
+          </a:effectRef>
+          <a:fontRef idx="minor">
+            <a:schemeClr val="tx1"/>
+          </a:fontRef>
+        </p:style>
+      </p:cxnSp>
+      <p:cxnSp>
+        <p:nvCxnSpPr>
+          <p:cNvPr id="16" name="Connettore 2 15">
+            <a:extLst>
+              <a:ext uri="{FF2B5EF4-FFF2-40B4-BE49-F238E27FC236}">
+                <a16:creationId xmlns:a16="http://schemas.microsoft.com/office/drawing/2014/main" id="{EB432A36-44E7-5E8E-51A0-C6D8BB2AB862}"/>
+              </a:ext>
+            </a:extLst>
+          </p:cNvPr>
+          <p:cNvCxnSpPr>
+            <a:cxnSpLocks/>
+            <a:stCxn id="6" idx="3"/>
+            <a:endCxn id="7" idx="1"/>
+          </p:cNvCxnSpPr>
+          <p:nvPr/>
+        </p:nvCxnSpPr>
+        <p:spPr>
+          <a:xfrm>
+            <a:off x="6447363" y="1271668"/>
+            <a:ext cx="1604775" cy="0"/>
+          </a:xfrm>
+          <a:prstGeom prst="straightConnector1">
+            <a:avLst/>
+          </a:prstGeom>
+          <a:ln w="19050">
+            <a:solidFill>
+              <a:schemeClr val="tx1"/>
+            </a:solidFill>
+            <a:tailEnd type="triangle"/>
+          </a:ln>
+        </p:spPr>
+        <p:style>
+          <a:lnRef idx="1">
+            <a:schemeClr val="accent1"/>
+          </a:lnRef>
+          <a:fillRef idx="0">
+            <a:schemeClr val="accent1"/>
+          </a:fillRef>
+          <a:effectRef idx="0">
+            <a:schemeClr val="accent1"/>
+          </a:effectRef>
+          <a:fontRef idx="minor">
+            <a:schemeClr val="tx1"/>
+          </a:fontRef>
+        </p:style>
+      </p:cxnSp>
+      <p:sp>
+        <p:nvSpPr>
+          <p:cNvPr id="17" name="Ovale 16">
+            <a:extLst>
+              <a:ext uri="{FF2B5EF4-FFF2-40B4-BE49-F238E27FC236}">
+                <a16:creationId xmlns:a16="http://schemas.microsoft.com/office/drawing/2014/main" id="{5B2630F2-580E-2C08-48C5-B1BA42D49190}"/>
+              </a:ext>
+            </a:extLst>
+          </p:cNvPr>
+          <p:cNvSpPr/>
+          <p:nvPr/>
+        </p:nvSpPr>
+        <p:spPr>
+          <a:xfrm>
+            <a:off x="9421652" y="2605806"/>
+            <a:ext cx="547007" cy="541658"/>
+          </a:xfrm>
+          <a:prstGeom prst="ellipse">
+            <a:avLst/>
+          </a:prstGeom>
+          <a:noFill/>
+        </p:spPr>
+        <p:style>
+          <a:lnRef idx="2">
+            <a:schemeClr val="accent1">
+              <a:shade val="15000"/>
+            </a:schemeClr>
+          </a:lnRef>
+          <a:fillRef idx="1">
+            <a:schemeClr val="accent1"/>
+          </a:fillRef>
+          <a:effectRef idx="0">
+            <a:schemeClr val="accent1"/>
+          </a:effectRef>
+          <a:fontRef idx="minor">
+            <a:schemeClr val="lt1"/>
+          </a:fontRef>
+        </p:style>
+        <p:txBody>
+          <a:bodyPr rtlCol="0" anchor="ctr"/>
+          <a:lstStyle/>
+          <a:p>
+            <a:pPr algn="ctr"/>
+            <a:r>
+              <a:rPr lang="it-IT" dirty="0">
+                <a:solidFill>
+                  <a:schemeClr val="tx1"/>
+                </a:solidFill>
+              </a:rPr>
+              <a:t>Z</a:t>
+            </a:r>
+            <a:r>
+              <a:rPr lang="it-IT" baseline="-25000" dirty="0">
+                <a:solidFill>
+                  <a:schemeClr val="tx1"/>
+                </a:solidFill>
+              </a:rPr>
+              <a:t>1</a:t>
+            </a:r>
+          </a:p>
+        </p:txBody>
+      </p:sp>
+      <p:cxnSp>
+        <p:nvCxnSpPr>
+          <p:cNvPr id="21" name="Connettore a gomito 20">
+            <a:extLst>
+              <a:ext uri="{FF2B5EF4-FFF2-40B4-BE49-F238E27FC236}">
+                <a16:creationId xmlns:a16="http://schemas.microsoft.com/office/drawing/2014/main" id="{4375ACAA-F862-2B3B-60D8-0263182A2FD2}"/>
+              </a:ext>
+            </a:extLst>
+          </p:cNvPr>
+          <p:cNvCxnSpPr>
+            <a:cxnSpLocks/>
+            <a:stCxn id="7" idx="3"/>
+            <a:endCxn id="17" idx="0"/>
+          </p:cNvCxnSpPr>
+          <p:nvPr/>
+        </p:nvCxnSpPr>
+        <p:spPr>
+          <a:xfrm>
+            <a:off x="9041183" y="1271668"/>
+            <a:ext cx="653973" cy="1334138"/>
+          </a:xfrm>
+          <a:prstGeom prst="bentConnector2">
+            <a:avLst/>
+          </a:prstGeom>
+          <a:ln w="19050">
+            <a:solidFill>
+              <a:schemeClr val="tx1"/>
+            </a:solidFill>
+            <a:tailEnd type="triangle"/>
+          </a:ln>
+        </p:spPr>
+        <p:style>
+          <a:lnRef idx="1">
+            <a:schemeClr val="accent1"/>
+          </a:lnRef>
+          <a:fillRef idx="0">
+            <a:schemeClr val="accent1"/>
+          </a:fillRef>
+          <a:effectRef idx="0">
+            <a:schemeClr val="accent1"/>
+          </a:effectRef>
+          <a:fontRef idx="minor">
+            <a:schemeClr val="tx1"/>
+          </a:fontRef>
+        </p:style>
+      </p:cxnSp>
+      <p:sp>
+        <p:nvSpPr>
+          <p:cNvPr id="35" name="Decisione 34">
+            <a:extLst>
+              <a:ext uri="{FF2B5EF4-FFF2-40B4-BE49-F238E27FC236}">
+                <a16:creationId xmlns:a16="http://schemas.microsoft.com/office/drawing/2014/main" id="{485B01F9-3EBC-3CDB-4EA4-4229294CEE3B}"/>
+              </a:ext>
+            </a:extLst>
+          </p:cNvPr>
+          <p:cNvSpPr/>
+          <p:nvPr/>
+        </p:nvSpPr>
+        <p:spPr>
+          <a:xfrm>
+            <a:off x="2864496" y="3429000"/>
+            <a:ext cx="989045" cy="910904"/>
+          </a:xfrm>
+          <a:prstGeom prst="flowChartDecision">
+            <a:avLst/>
+          </a:prstGeom>
+          <a:solidFill>
+            <a:srgbClr val="00B050"/>
+          </a:solidFill>
+        </p:spPr>
+        <p:style>
+          <a:lnRef idx="2">
+            <a:schemeClr val="accent1">
+              <a:shade val="15000"/>
+            </a:schemeClr>
+          </a:lnRef>
+          <a:fillRef idx="1">
+            <a:schemeClr val="accent1"/>
+          </a:fillRef>
+          <a:effectRef idx="0">
+            <a:schemeClr val="accent1"/>
+          </a:effectRef>
+          <a:fontRef idx="minor">
+            <a:schemeClr val="lt1"/>
+          </a:fontRef>
+        </p:style>
+        <p:txBody>
+          <a:bodyPr rtlCol="0" anchor="ctr"/>
+          <a:lstStyle/>
+          <a:p>
+            <a:pPr algn="ctr"/>
+            <a:r>
+              <a:rPr lang="it-IT" sz="2400" dirty="0"/>
+              <a:t>Te</a:t>
+            </a:r>
+          </a:p>
+        </p:txBody>
+      </p:sp>
+      <p:sp>
+        <p:nvSpPr>
+          <p:cNvPr id="36" name="Decisione 35">
+            <a:extLst>
+              <a:ext uri="{FF2B5EF4-FFF2-40B4-BE49-F238E27FC236}">
+                <a16:creationId xmlns:a16="http://schemas.microsoft.com/office/drawing/2014/main" id="{A71EA4F3-D308-B6E7-26D0-30820AF87FE0}"/>
+              </a:ext>
+            </a:extLst>
+          </p:cNvPr>
+          <p:cNvSpPr/>
+          <p:nvPr/>
+        </p:nvSpPr>
+        <p:spPr>
+          <a:xfrm>
+            <a:off x="5475498" y="3428999"/>
+            <a:ext cx="989045" cy="910904"/>
+          </a:xfrm>
+          <a:prstGeom prst="flowChartDecision">
+            <a:avLst/>
+          </a:prstGeom>
+          <a:solidFill>
+            <a:srgbClr val="00B050"/>
+          </a:solidFill>
+        </p:spPr>
+        <p:style>
+          <a:lnRef idx="2">
+            <a:schemeClr val="accent1">
+              <a:shade val="15000"/>
+            </a:schemeClr>
+          </a:lnRef>
+          <a:fillRef idx="1">
+            <a:schemeClr val="accent1"/>
+          </a:fillRef>
+          <a:effectRef idx="0">
+            <a:schemeClr val="accent1"/>
+          </a:effectRef>
+          <a:fontRef idx="minor">
+            <a:schemeClr val="lt1"/>
+          </a:fontRef>
+        </p:style>
+        <p:txBody>
+          <a:bodyPr rtlCol="0" anchor="ctr"/>
+          <a:lstStyle/>
+          <a:p>
+            <a:pPr algn="ctr"/>
+            <a:r>
+              <a:rPr lang="it-IT" sz="2400" dirty="0"/>
+              <a:t>Sp</a:t>
+            </a:r>
+          </a:p>
+        </p:txBody>
+      </p:sp>
+      <p:sp>
+        <p:nvSpPr>
+          <p:cNvPr id="37" name="Decisione 36">
+            <a:extLst>
+              <a:ext uri="{FF2B5EF4-FFF2-40B4-BE49-F238E27FC236}">
+                <a16:creationId xmlns:a16="http://schemas.microsoft.com/office/drawing/2014/main" id="{1DD4BBFB-834F-D8B2-953A-4DF290A480A8}"/>
+              </a:ext>
+            </a:extLst>
+          </p:cNvPr>
+          <p:cNvSpPr/>
+          <p:nvPr/>
+        </p:nvSpPr>
+        <p:spPr>
+          <a:xfrm>
+            <a:off x="8052138" y="3429000"/>
+            <a:ext cx="989045" cy="910904"/>
+          </a:xfrm>
+          <a:prstGeom prst="flowChartDecision">
+            <a:avLst/>
+          </a:prstGeom>
+          <a:solidFill>
+            <a:srgbClr val="00B050"/>
+          </a:solidFill>
+        </p:spPr>
+        <p:style>
+          <a:lnRef idx="2">
+            <a:schemeClr val="accent1">
+              <a:shade val="15000"/>
+            </a:schemeClr>
+          </a:lnRef>
+          <a:fillRef idx="1">
+            <a:schemeClr val="accent1"/>
+          </a:fillRef>
+          <a:effectRef idx="0">
+            <a:schemeClr val="accent1"/>
+          </a:effectRef>
+          <a:fontRef idx="minor">
+            <a:schemeClr val="lt1"/>
+          </a:fontRef>
+        </p:style>
+        <p:txBody>
+          <a:bodyPr rtlCol="0" anchor="ctr"/>
+          <a:lstStyle/>
+          <a:p>
+            <a:pPr algn="ctr"/>
+            <a:r>
+              <a:rPr lang="it-IT" sz="2400" dirty="0"/>
+              <a:t>SC</a:t>
+            </a:r>
+          </a:p>
+        </p:txBody>
+      </p:sp>
+      <p:cxnSp>
+        <p:nvCxnSpPr>
+          <p:cNvPr id="70" name="Connettore 2 69">
+            <a:extLst>
+              <a:ext uri="{FF2B5EF4-FFF2-40B4-BE49-F238E27FC236}">
+                <a16:creationId xmlns:a16="http://schemas.microsoft.com/office/drawing/2014/main" id="{04DB7214-7A0A-AC34-3FF7-54FF3DB96208}"/>
+              </a:ext>
+            </a:extLst>
+          </p:cNvPr>
+          <p:cNvCxnSpPr>
+            <a:cxnSpLocks/>
+            <a:stCxn id="37" idx="1"/>
+            <a:endCxn id="36" idx="3"/>
+          </p:cNvCxnSpPr>
+          <p:nvPr/>
+        </p:nvCxnSpPr>
+        <p:spPr>
+          <a:xfrm flipH="1" flipV="1">
+            <a:off x="6464543" y="3884451"/>
+            <a:ext cx="1587595" cy="1"/>
+          </a:xfrm>
+          <a:prstGeom prst="straightConnector1">
+            <a:avLst/>
+          </a:prstGeom>
+          <a:ln w="19050">
+            <a:solidFill>
+              <a:schemeClr val="tx1"/>
+            </a:solidFill>
+            <a:tailEnd type="triangle"/>
+          </a:ln>
+        </p:spPr>
+        <p:style>
+          <a:lnRef idx="1">
+            <a:schemeClr val="accent1"/>
+          </a:lnRef>
+          <a:fillRef idx="0">
+            <a:schemeClr val="accent1"/>
+          </a:fillRef>
+          <a:effectRef idx="0">
+            <a:schemeClr val="accent1"/>
+          </a:effectRef>
+          <a:fontRef idx="minor">
+            <a:schemeClr val="tx1"/>
+          </a:fontRef>
+        </p:style>
+      </p:cxnSp>
+      <p:cxnSp>
+        <p:nvCxnSpPr>
+          <p:cNvPr id="87" name="Connettore 2 86">
+            <a:extLst>
+              <a:ext uri="{FF2B5EF4-FFF2-40B4-BE49-F238E27FC236}">
+                <a16:creationId xmlns:a16="http://schemas.microsoft.com/office/drawing/2014/main" id="{C12400FA-526F-D2DF-2AD7-0AE78DE1BC9D}"/>
+              </a:ext>
+            </a:extLst>
+          </p:cNvPr>
+          <p:cNvCxnSpPr>
+            <a:cxnSpLocks/>
+            <a:stCxn id="36" idx="1"/>
+            <a:endCxn id="35" idx="3"/>
+          </p:cNvCxnSpPr>
+          <p:nvPr/>
+        </p:nvCxnSpPr>
+        <p:spPr>
+          <a:xfrm flipH="1">
+            <a:off x="3853541" y="3884451"/>
+            <a:ext cx="1621957" cy="1"/>
+          </a:xfrm>
+          <a:prstGeom prst="straightConnector1">
+            <a:avLst/>
+          </a:prstGeom>
+          <a:ln w="19050">
+            <a:solidFill>
+              <a:schemeClr val="tx1"/>
+            </a:solidFill>
+            <a:tailEnd type="triangle"/>
+          </a:ln>
+        </p:spPr>
+        <p:style>
+          <a:lnRef idx="1">
+            <a:schemeClr val="accent1"/>
+          </a:lnRef>
+          <a:fillRef idx="0">
+            <a:schemeClr val="accent1"/>
+          </a:fillRef>
+          <a:effectRef idx="0">
+            <a:schemeClr val="accent1"/>
+          </a:effectRef>
+          <a:fontRef idx="minor">
+            <a:schemeClr val="tx1"/>
+          </a:fontRef>
+        </p:style>
+      </p:cxnSp>
+      <p:pic>
+        <p:nvPicPr>
+          <p:cNvPr id="94" name="Immagine 93" descr="Immagine che contiene testo, mappa&#10;&#10;Descrizione generata automaticamente">
+            <a:extLst>
+              <a:ext uri="{FF2B5EF4-FFF2-40B4-BE49-F238E27FC236}">
+                <a16:creationId xmlns:a16="http://schemas.microsoft.com/office/drawing/2014/main" id="{F59E1D1B-7482-B354-7C4C-63341E6C5971}"/>
+              </a:ext>
+            </a:extLst>
+          </p:cNvPr>
+          <p:cNvPicPr>
+            <a:picLocks noChangeAspect="1"/>
+          </p:cNvPicPr>
+          <p:nvPr/>
+        </p:nvPicPr>
+        <p:blipFill>
+          <a:blip r:embed="rId4">
+            <a:extLst>
+              <a:ext uri="{28A0092B-C50C-407E-A947-70E740481C1C}">
+                <a14:useLocalDpi xmlns:a14="http://schemas.microsoft.com/office/drawing/2010/main" val="0"/>
+              </a:ext>
+            </a:extLst>
+          </a:blip>
+          <a:stretch>
+            <a:fillRect/>
+          </a:stretch>
+        </p:blipFill>
+        <p:spPr>
+          <a:xfrm>
+            <a:off x="572102" y="3470775"/>
+            <a:ext cx="1590953" cy="827351"/>
+          </a:xfrm>
+          <a:prstGeom prst="rect">
+            <a:avLst/>
+          </a:prstGeom>
+          <a:ln>
+            <a:solidFill>
+              <a:schemeClr val="tx1"/>
+            </a:solidFill>
+          </a:ln>
+        </p:spPr>
+      </p:pic>
+      <p:cxnSp>
+        <p:nvCxnSpPr>
+          <p:cNvPr id="95" name="Connettore 2 94">
+            <a:extLst>
+              <a:ext uri="{FF2B5EF4-FFF2-40B4-BE49-F238E27FC236}">
+                <a16:creationId xmlns:a16="http://schemas.microsoft.com/office/drawing/2014/main" id="{6AC2D157-0209-1EF9-C4F6-8466BF90D7ED}"/>
+              </a:ext>
+            </a:extLst>
+          </p:cNvPr>
+          <p:cNvCxnSpPr>
+            <a:cxnSpLocks/>
+            <a:stCxn id="35" idx="1"/>
+            <a:endCxn id="94" idx="3"/>
+          </p:cNvCxnSpPr>
+          <p:nvPr/>
+        </p:nvCxnSpPr>
+        <p:spPr>
+          <a:xfrm flipH="1" flipV="1">
+            <a:off x="2163055" y="3884451"/>
+            <a:ext cx="701441" cy="1"/>
+          </a:xfrm>
+          <a:prstGeom prst="straightConnector1">
+            <a:avLst/>
+          </a:prstGeom>
+          <a:ln w="19050">
+            <a:solidFill>
+              <a:schemeClr val="tx1"/>
+            </a:solidFill>
+            <a:tailEnd type="triangle"/>
+          </a:ln>
+        </p:spPr>
+        <p:style>
+          <a:lnRef idx="1">
+            <a:schemeClr val="accent1"/>
+          </a:lnRef>
+          <a:fillRef idx="0">
+            <a:schemeClr val="accent1"/>
+          </a:fillRef>
+          <a:effectRef idx="0">
+            <a:schemeClr val="accent1"/>
+          </a:effectRef>
+          <a:fontRef idx="minor">
+            <a:schemeClr val="tx1"/>
+          </a:fontRef>
+        </p:style>
+      </p:cxnSp>
+      <p:cxnSp>
+        <p:nvCxnSpPr>
+          <p:cNvPr id="99" name="Connettore a gomito 98">
+            <a:extLst>
+              <a:ext uri="{FF2B5EF4-FFF2-40B4-BE49-F238E27FC236}">
+                <a16:creationId xmlns:a16="http://schemas.microsoft.com/office/drawing/2014/main" id="{F2244270-839F-A485-482D-EC369B436523}"/>
+              </a:ext>
+            </a:extLst>
+          </p:cNvPr>
+          <p:cNvCxnSpPr>
+            <a:cxnSpLocks/>
+            <a:stCxn id="17" idx="4"/>
+            <a:endCxn id="37" idx="3"/>
+          </p:cNvCxnSpPr>
+          <p:nvPr/>
+        </p:nvCxnSpPr>
+        <p:spPr>
+          <a:xfrm rot="5400000">
+            <a:off x="8999676" y="3188972"/>
+            <a:ext cx="736988" cy="653973"/>
+          </a:xfrm>
+          <a:prstGeom prst="bentConnector2">
+            <a:avLst/>
+          </a:prstGeom>
+          <a:ln w="19050">
+            <a:solidFill>
+              <a:schemeClr val="tx1"/>
+            </a:solidFill>
+            <a:tailEnd type="triangle"/>
+          </a:ln>
+        </p:spPr>
+        <p:style>
+          <a:lnRef idx="1">
+            <a:schemeClr val="accent1"/>
+          </a:lnRef>
+          <a:fillRef idx="0">
+            <a:schemeClr val="accent1"/>
+          </a:fillRef>
+          <a:effectRef idx="0">
+            <a:schemeClr val="accent1"/>
+          </a:effectRef>
+          <a:fontRef idx="minor">
+            <a:schemeClr val="tx1"/>
+          </a:fontRef>
+        </p:style>
+      </p:cxnSp>
+      <p:pic>
+        <p:nvPicPr>
+          <p:cNvPr id="13" name="Immagine 12" descr="\documentclass{article}&#10;\usepackage{amssymb}&#10;\usepackage{amstext}&#10;\usepackage{amsmath}&#10;\pagestyle{empty}&#10;\begin{document}&#10;&#10;\begin{equation*}&#10;    X \in \mathbb{R}^{C \times T}&#10;\end{equation*}&#10;&#10;\end{document}" title="IguanaTex Bitmap Display">
+            <a:extLst>
+              <a:ext uri="{FF2B5EF4-FFF2-40B4-BE49-F238E27FC236}">
+                <a16:creationId xmlns:a16="http://schemas.microsoft.com/office/drawing/2014/main" id="{1DFB2C5D-7EC8-3674-0002-4B4242429FD6}"/>
+              </a:ext>
+            </a:extLst>
+          </p:cNvPr>
+          <p:cNvPicPr>
+            <a:picLocks noChangeAspect="1"/>
+          </p:cNvPicPr>
+          <p:nvPr>
+            <p:custDataLst>
+              <p:tags r:id="rId1"/>
+            </p:custDataLst>
+          </p:nvPr>
+        </p:nvPicPr>
+        <p:blipFill>
+          <a:blip r:embed="rId5">
+            <a:extLst>
+              <a:ext uri="{28A0092B-C50C-407E-A947-70E740481C1C}">
+                <a14:useLocalDpi xmlns:a14="http://schemas.microsoft.com/office/drawing/2010/main" val="0"/>
+              </a:ext>
+            </a:extLst>
+          </a:blip>
+          <a:stretch>
+            <a:fillRect/>
+          </a:stretch>
+        </p:blipFill>
+        <p:spPr>
+          <a:xfrm>
+            <a:off x="829134" y="1747823"/>
+            <a:ext cx="1171809" cy="240762"/>
+          </a:xfrm>
+          <a:prstGeom prst="rect">
+            <a:avLst/>
+          </a:prstGeom>
+        </p:spPr>
+      </p:pic>
+      <p:pic>
+        <p:nvPicPr>
+          <p:cNvPr id="15" name="Immagine 14" descr="\documentclass{article}&#10;\usepackage{amssymb}&#10;\usepackage{amstext}&#10;\usepackage{amsmath}&#10;\pagestyle{empty}&#10;\begin{document}&#10;&#10;\begin{equation*}&#10;    X_R \in \mathbb{R}^{C \times T}&#10;\end{equation*}&#10;&#10;\end{document}" title="IguanaTex Bitmap Display">
+            <a:extLst>
+              <a:ext uri="{FF2B5EF4-FFF2-40B4-BE49-F238E27FC236}">
+                <a16:creationId xmlns:a16="http://schemas.microsoft.com/office/drawing/2014/main" id="{A39CEF70-05BF-ABD7-63E2-0076BA6D474E}"/>
+              </a:ext>
+            </a:extLst>
+          </p:cNvPr>
+          <p:cNvPicPr>
+            <a:picLocks noChangeAspect="1"/>
+          </p:cNvPicPr>
+          <p:nvPr>
+            <p:custDataLst>
+              <p:tags r:id="rId2"/>
+            </p:custDataLst>
+          </p:nvPr>
+        </p:nvPicPr>
+        <p:blipFill>
+          <a:blip r:embed="rId6">
+            <a:extLst>
+              <a:ext uri="{28A0092B-C50C-407E-A947-70E740481C1C}">
+                <a14:useLocalDpi xmlns:a14="http://schemas.microsoft.com/office/drawing/2010/main" val="0"/>
+              </a:ext>
+            </a:extLst>
+          </a:blip>
+          <a:stretch>
+            <a:fillRect/>
+          </a:stretch>
+        </p:blipFill>
+        <p:spPr>
+          <a:xfrm>
+            <a:off x="829134" y="4424784"/>
+            <a:ext cx="1318095" cy="271238"/>
+          </a:xfrm>
+          <a:prstGeom prst="rect">
+            <a:avLst/>
+          </a:prstGeom>
+        </p:spPr>
+      </p:pic>
+    </p:spTree>
+    <p:extLst>
+      <p:ext uri="{BB962C8B-B14F-4D97-AF65-F5344CB8AC3E}">
+        <p14:creationId xmlns:p14="http://schemas.microsoft.com/office/powerpoint/2010/main" val="3731153333"/>
+      </p:ext>
+    </p:extLst>
+  </p:cSld>
+  <p:clrMapOvr>
+    <a:masterClrMapping/>
+  </p:clrMapOvr>
+</p:sld>
+</file>
+
 <file path=ppt/tags/tag1.xml><?xml version="1.0" encoding="utf-8"?>
 <p:tagLst xmlns:a="http://schemas.openxmlformats.org/drawingml/2006/main" xmlns:r="http://schemas.openxmlformats.org/officeDocument/2006/relationships" xmlns:p="http://schemas.openxmlformats.org/presentationml/2006/main">
   <p:tag name="OUTPUTDPI" val="1200"/>
@@ -20520,6 +21446,46 @@
 </file>
 
 <file path=ppt/tags/tag2.xml><?xml version="1.0" encoding="utf-8"?>
+<p:tagLst xmlns:a="http://schemas.openxmlformats.org/drawingml/2006/main" xmlns:r="http://schemas.openxmlformats.org/officeDocument/2006/relationships" xmlns:p="http://schemas.openxmlformats.org/presentationml/2006/main">
+  <p:tag name="OUTPUTDPI" val="1200"/>
+  <p:tag name="ORIGINALHEIGHT" val="133,4833"/>
+  <p:tag name="ORIGINALWIDTH" val="648,6689"/>
+  <p:tag name="OUTPUTTYPE" val="PNG"/>
+  <p:tag name="IGUANATEXVERSION" val="160"/>
+  <p:tag name="LATEXADDIN" val="\documentclass{article}&#10;\usepackage{amssymb}&#10;\usepackage{amstext}&#10;\usepackage{amsmath}&#10;\pagestyle{empty}&#10;\begin{document}&#10;&#10;\begin{equation*}&#10;    X_R \in \mathbb{R}^{C \times T}&#10;\end{equation*}&#10;&#10;\end{document}"/>
+  <p:tag name="IGUANATEXSIZE" val="20"/>
+  <p:tag name="IGUANATEXCURSOR" val="148"/>
+  <p:tag name="TRANSPARENCY" val="Vero"/>
+  <p:tag name="LATEXENGINEID" val="0"/>
+  <p:tag name="TEMPFOLDER" val="c:\temp\"/>
+  <p:tag name="LATEXFORMHEIGHT" val="320"/>
+  <p:tag name="LATEXFORMWIDTH" val="385"/>
+  <p:tag name="LATEXFORMWRAP" val="Vero"/>
+  <p:tag name="BITMAPVECTOR" val="0"/>
+</p:tagLst>
+</file>
+
+<file path=ppt/tags/tag3.xml><?xml version="1.0" encoding="utf-8"?>
+<p:tagLst xmlns:a="http://schemas.openxmlformats.org/drawingml/2006/main" xmlns:r="http://schemas.openxmlformats.org/officeDocument/2006/relationships" xmlns:p="http://schemas.openxmlformats.org/presentationml/2006/main">
+  <p:tag name="OUTPUTDPI" val="1200"/>
+  <p:tag name="ORIGINALHEIGHT" val="118,4852"/>
+  <p:tag name="ORIGINALWIDTH" val="576,6779"/>
+  <p:tag name="OUTPUTTYPE" val="PNG"/>
+  <p:tag name="IGUANATEXVERSION" val="160"/>
+  <p:tag name="LATEXADDIN" val="\documentclass{article}&#10;\usepackage{amssymb}&#10;\usepackage{amstext}&#10;\usepackage{amsmath}&#10;\pagestyle{empty}&#10;\begin{document}&#10;&#10;\begin{equation*}&#10;    X \in \mathbb{R}^{C \times T}&#10;\end{equation*}&#10;&#10;\end{document}"/>
+  <p:tag name="IGUANATEXSIZE" val="20"/>
+  <p:tag name="IGUANATEXCURSOR" val="0"/>
+  <p:tag name="TRANSPARENCY" val="Vero"/>
+  <p:tag name="LATEXENGINEID" val="0"/>
+  <p:tag name="TEMPFOLDER" val="c:\temp\"/>
+  <p:tag name="LATEXFORMHEIGHT" val="320"/>
+  <p:tag name="LATEXFORMWIDTH" val="385"/>
+  <p:tag name="LATEXFORMWRAP" val="Vero"/>
+  <p:tag name="BITMAPVECTOR" val="0"/>
+</p:tagLst>
+</file>
+
+<file path=ppt/tags/tag4.xml><?xml version="1.0" encoding="utf-8"?>
 <p:tagLst xmlns:a="http://schemas.openxmlformats.org/drawingml/2006/main" xmlns:r="http://schemas.openxmlformats.org/officeDocument/2006/relationships" xmlns:p="http://schemas.openxmlformats.org/presentationml/2006/main">
   <p:tag name="OUTPUTDPI" val="1200"/>
   <p:tag name="ORIGINALHEIGHT" val="133,4833"/>

--- a/Other/Schemi vari.pptx
+++ b/Other/Schemi vari.pptx
@@ -204,7 +204,7 @@
           <a:p>
             <a:fld id="{5CA0605C-C771-4703-85B5-7F99996110FD}" type="datetimeFigureOut">
               <a:rPr lang="it-IT" smtClean="0"/>
-              <a:t>05/10/2023</a:t>
+              <a:t>18/10/2023</a:t>
             </a:fld>
             <a:endParaRPr lang="it-IT"/>
           </a:p>
@@ -618,7 +618,7 @@
           <a:p>
             <a:fld id="{E2D9E387-0C31-4D48-859D-93BB4AEC8C15}" type="datetimeFigureOut">
               <a:rPr lang="it-IT" smtClean="0"/>
-              <a:t>05/10/2023</a:t>
+              <a:t>18/10/2023</a:t>
             </a:fld>
             <a:endParaRPr lang="it-IT"/>
           </a:p>
@@ -816,7 +816,7 @@
           <a:p>
             <a:fld id="{E2D9E387-0C31-4D48-859D-93BB4AEC8C15}" type="datetimeFigureOut">
               <a:rPr lang="it-IT" smtClean="0"/>
-              <a:t>05/10/2023</a:t>
+              <a:t>18/10/2023</a:t>
             </a:fld>
             <a:endParaRPr lang="it-IT"/>
           </a:p>
@@ -1024,7 +1024,7 @@
           <a:p>
             <a:fld id="{E2D9E387-0C31-4D48-859D-93BB4AEC8C15}" type="datetimeFigureOut">
               <a:rPr lang="it-IT" smtClean="0"/>
-              <a:t>05/10/2023</a:t>
+              <a:t>18/10/2023</a:t>
             </a:fld>
             <a:endParaRPr lang="it-IT"/>
           </a:p>
@@ -1222,7 +1222,7 @@
           <a:p>
             <a:fld id="{E2D9E387-0C31-4D48-859D-93BB4AEC8C15}" type="datetimeFigureOut">
               <a:rPr lang="it-IT" smtClean="0"/>
-              <a:t>05/10/2023</a:t>
+              <a:t>18/10/2023</a:t>
             </a:fld>
             <a:endParaRPr lang="it-IT"/>
           </a:p>
@@ -1497,7 +1497,7 @@
           <a:p>
             <a:fld id="{E2D9E387-0C31-4D48-859D-93BB4AEC8C15}" type="datetimeFigureOut">
               <a:rPr lang="it-IT" smtClean="0"/>
-              <a:t>05/10/2023</a:t>
+              <a:t>18/10/2023</a:t>
             </a:fld>
             <a:endParaRPr lang="it-IT"/>
           </a:p>
@@ -1762,7 +1762,7 @@
           <a:p>
             <a:fld id="{E2D9E387-0C31-4D48-859D-93BB4AEC8C15}" type="datetimeFigureOut">
               <a:rPr lang="it-IT" smtClean="0"/>
-              <a:t>05/10/2023</a:t>
+              <a:t>18/10/2023</a:t>
             </a:fld>
             <a:endParaRPr lang="it-IT"/>
           </a:p>
@@ -2174,7 +2174,7 @@
           <a:p>
             <a:fld id="{E2D9E387-0C31-4D48-859D-93BB4AEC8C15}" type="datetimeFigureOut">
               <a:rPr lang="it-IT" smtClean="0"/>
-              <a:t>05/10/2023</a:t>
+              <a:t>18/10/2023</a:t>
             </a:fld>
             <a:endParaRPr lang="it-IT"/>
           </a:p>
@@ -2315,7 +2315,7 @@
           <a:p>
             <a:fld id="{E2D9E387-0C31-4D48-859D-93BB4AEC8C15}" type="datetimeFigureOut">
               <a:rPr lang="it-IT" smtClean="0"/>
-              <a:t>05/10/2023</a:t>
+              <a:t>18/10/2023</a:t>
             </a:fld>
             <a:endParaRPr lang="it-IT"/>
           </a:p>
@@ -2428,7 +2428,7 @@
           <a:p>
             <a:fld id="{E2D9E387-0C31-4D48-859D-93BB4AEC8C15}" type="datetimeFigureOut">
               <a:rPr lang="it-IT" smtClean="0"/>
-              <a:t>05/10/2023</a:t>
+              <a:t>18/10/2023</a:t>
             </a:fld>
             <a:endParaRPr lang="it-IT"/>
           </a:p>
@@ -2739,7 +2739,7 @@
           <a:p>
             <a:fld id="{E2D9E387-0C31-4D48-859D-93BB4AEC8C15}" type="datetimeFigureOut">
               <a:rPr lang="it-IT" smtClean="0"/>
-              <a:t>05/10/2023</a:t>
+              <a:t>18/10/2023</a:t>
             </a:fld>
             <a:endParaRPr lang="it-IT"/>
           </a:p>
@@ -3027,7 +3027,7 @@
           <a:p>
             <a:fld id="{E2D9E387-0C31-4D48-859D-93BB4AEC8C15}" type="datetimeFigureOut">
               <a:rPr lang="it-IT" smtClean="0"/>
-              <a:t>05/10/2023</a:t>
+              <a:t>18/10/2023</a:t>
             </a:fld>
             <a:endParaRPr lang="it-IT"/>
           </a:p>
@@ -3268,7 +3268,7 @@
           <a:p>
             <a:fld id="{E2D9E387-0C31-4D48-859D-93BB4AEC8C15}" type="datetimeFigureOut">
               <a:rPr lang="it-IT" smtClean="0"/>
-              <a:t>05/10/2023</a:t>
+              <a:t>18/10/2023</a:t>
             </a:fld>
             <a:endParaRPr lang="it-IT"/>
           </a:p>
@@ -21374,10 +21374,10 @@
       </p:pic>
       <p:pic>
         <p:nvPicPr>
-          <p:cNvPr id="15" name="Immagine 14" descr="\documentclass{article}&#10;\usepackage{amssymb}&#10;\usepackage{amstext}&#10;\usepackage{amsmath}&#10;\pagestyle{empty}&#10;\begin{document}&#10;&#10;\begin{equation*}&#10;    X_R \in \mathbb{R}^{C \times T}&#10;\end{equation*}&#10;&#10;\end{document}" title="IguanaTex Bitmap Display">
-            <a:extLst>
-              <a:ext uri="{FF2B5EF4-FFF2-40B4-BE49-F238E27FC236}">
-                <a16:creationId xmlns:a16="http://schemas.microsoft.com/office/drawing/2014/main" id="{A39CEF70-05BF-ABD7-63E2-0076BA6D474E}"/>
+          <p:cNvPr id="3" name="Immagine 2" descr="\documentclass{article}&#10;\usepackage{amssymb}&#10;\usepackage{amstext}&#10;\usepackage{amsmath}&#10;\pagestyle{empty}&#10;\begin{document}&#10;&#10;\begin{equation*}&#10;    \hat{X} \in \mathbb{R}^{C \times T}&#10;\end{equation*}&#10;&#10;\end{document}" title="IguanaTex Bitmap Display">
+            <a:extLst>
+              <a:ext uri="{FF2B5EF4-FFF2-40B4-BE49-F238E27FC236}">
+                <a16:creationId xmlns:a16="http://schemas.microsoft.com/office/drawing/2014/main" id="{0847B59B-995E-C7B2-B496-AF76BFEDC0DC}"/>
               </a:ext>
             </a:extLst>
           </p:cNvPr>
@@ -21405,7 +21405,7 @@
         <p:spPr>
           <a:xfrm>
             <a:off x="829134" y="4424784"/>
-            <a:ext cx="1318095" cy="271238"/>
+            <a:ext cx="1173019" cy="250813"/>
           </a:xfrm>
           <a:prstGeom prst="rect">
             <a:avLst/>
@@ -21488,13 +21488,13 @@
 <file path=ppt/tags/tag4.xml><?xml version="1.0" encoding="utf-8"?>
 <p:tagLst xmlns:a="http://schemas.openxmlformats.org/drawingml/2006/main" xmlns:r="http://schemas.openxmlformats.org/officeDocument/2006/relationships" xmlns:p="http://schemas.openxmlformats.org/presentationml/2006/main">
   <p:tag name="OUTPUTDPI" val="1200"/>
-  <p:tag name="ORIGINALHEIGHT" val="133,4833"/>
-  <p:tag name="ORIGINALWIDTH" val="648,6689"/>
+  <p:tag name="ORIGINALHEIGHT" val="122,9846"/>
+  <p:tag name="ORIGINALWIDTH" val="576,6779"/>
   <p:tag name="OUTPUTTYPE" val="PNG"/>
   <p:tag name="IGUANATEXVERSION" val="160"/>
-  <p:tag name="LATEXADDIN" val="\documentclass{article}&#10;\usepackage{amssymb}&#10;\usepackage{amstext}&#10;\usepackage{amsmath}&#10;\pagestyle{empty}&#10;\begin{document}&#10;&#10;\begin{equation*}&#10;    X_R \in \mathbb{R}^{C \times T}&#10;\end{equation*}&#10;&#10;\end{document}"/>
+  <p:tag name="LATEXADDIN" val="\documentclass{article}&#10;\usepackage{amssymb}&#10;\usepackage{amstext}&#10;\usepackage{amsmath}&#10;\pagestyle{empty}&#10;\begin{document}&#10;&#10;\begin{equation*}&#10;    \hat{X} \in \mathbb{R}^{C \times T}&#10;\end{equation*}&#10;&#10;\end{document}"/>
   <p:tag name="IGUANATEXSIZE" val="20"/>
-  <p:tag name="IGUANATEXCURSOR" val="148"/>
+  <p:tag name="IGUANATEXCURSOR" val="151"/>
   <p:tag name="TRANSPARENCY" val="Vero"/>
   <p:tag name="LATEXENGINEID" val="0"/>
   <p:tag name="TEMPFOLDER" val="c:\temp\"/>
